--- a/Software/Software Architecture/Pixelcade Checklist.pptx
+++ b/Software/Software Architecture/Pixelcade Checklist.pptx
@@ -5,7 +5,13 @@
     <p:sldMasterId id="2147483648" r:id="rId1"/>
   </p:sldMasterIdLst>
   <p:sldIdLst>
-    <p:sldId id="256" r:id="rId2"/>
+    <p:sldId id="258" r:id="rId2"/>
+    <p:sldId id="256" r:id="rId3"/>
+    <p:sldId id="257" r:id="rId4"/>
+    <p:sldId id="259" r:id="rId5"/>
+    <p:sldId id="260" r:id="rId6"/>
+    <p:sldId id="261" r:id="rId7"/>
+    <p:sldId id="262" r:id="rId8"/>
   </p:sldIdLst>
   <p:sldSz cx="12192000" cy="6858000"/>
   <p:notesSz cx="6858000" cy="9144000"/>
@@ -104,6 +110,11 @@
       </a:defRPr>
     </a:lvl9pPr>
   </p:defaultTextStyle>
+  <p:extLst>
+    <p:ext uri="{EFAFB233-063F-42B5-8137-9DF3F51BA10A}">
+      <p15:sldGuideLst xmlns:p15="http://schemas.microsoft.com/office/powerpoint/2012/main"/>
+    </p:ext>
+  </p:extLst>
 </p:presentation>
 </file>
 
@@ -254,7 +265,7 @@
           <a:p>
             <a:fld id="{FDF332B7-306C-D642-8995-CAEA8C70EEA4}" type="datetimeFigureOut">
               <a:rPr lang="en-US" smtClean="0"/>
-              <a:t>8/3/19</a:t>
+              <a:t>3/23/20</a:t>
             </a:fld>
             <a:endParaRPr lang="en-US"/>
           </a:p>
@@ -452,7 +463,7 @@
           <a:p>
             <a:fld id="{FDF332B7-306C-D642-8995-CAEA8C70EEA4}" type="datetimeFigureOut">
               <a:rPr lang="en-US" smtClean="0"/>
-              <a:t>8/3/19</a:t>
+              <a:t>3/23/20</a:t>
             </a:fld>
             <a:endParaRPr lang="en-US"/>
           </a:p>
@@ -660,7 +671,7 @@
           <a:p>
             <a:fld id="{FDF332B7-306C-D642-8995-CAEA8C70EEA4}" type="datetimeFigureOut">
               <a:rPr lang="en-US" smtClean="0"/>
-              <a:t>8/3/19</a:t>
+              <a:t>3/23/20</a:t>
             </a:fld>
             <a:endParaRPr lang="en-US"/>
           </a:p>
@@ -858,7 +869,7 @@
           <a:p>
             <a:fld id="{FDF332B7-306C-D642-8995-CAEA8C70EEA4}" type="datetimeFigureOut">
               <a:rPr lang="en-US" smtClean="0"/>
-              <a:t>8/3/19</a:t>
+              <a:t>3/23/20</a:t>
             </a:fld>
             <a:endParaRPr lang="en-US"/>
           </a:p>
@@ -1133,7 +1144,7 @@
           <a:p>
             <a:fld id="{FDF332B7-306C-D642-8995-CAEA8C70EEA4}" type="datetimeFigureOut">
               <a:rPr lang="en-US" smtClean="0"/>
-              <a:t>8/3/19</a:t>
+              <a:t>3/23/20</a:t>
             </a:fld>
             <a:endParaRPr lang="en-US"/>
           </a:p>
@@ -1398,7 +1409,7 @@
           <a:p>
             <a:fld id="{FDF332B7-306C-D642-8995-CAEA8C70EEA4}" type="datetimeFigureOut">
               <a:rPr lang="en-US" smtClean="0"/>
-              <a:t>8/3/19</a:t>
+              <a:t>3/23/20</a:t>
             </a:fld>
             <a:endParaRPr lang="en-US"/>
           </a:p>
@@ -1810,7 +1821,7 @@
           <a:p>
             <a:fld id="{FDF332B7-306C-D642-8995-CAEA8C70EEA4}" type="datetimeFigureOut">
               <a:rPr lang="en-US" smtClean="0"/>
-              <a:t>8/3/19</a:t>
+              <a:t>3/23/20</a:t>
             </a:fld>
             <a:endParaRPr lang="en-US"/>
           </a:p>
@@ -1951,7 +1962,7 @@
           <a:p>
             <a:fld id="{FDF332B7-306C-D642-8995-CAEA8C70EEA4}" type="datetimeFigureOut">
               <a:rPr lang="en-US" smtClean="0"/>
-              <a:t>8/3/19</a:t>
+              <a:t>3/23/20</a:t>
             </a:fld>
             <a:endParaRPr lang="en-US"/>
           </a:p>
@@ -2064,7 +2075,7 @@
           <a:p>
             <a:fld id="{FDF332B7-306C-D642-8995-CAEA8C70EEA4}" type="datetimeFigureOut">
               <a:rPr lang="en-US" smtClean="0"/>
-              <a:t>8/3/19</a:t>
+              <a:t>3/23/20</a:t>
             </a:fld>
             <a:endParaRPr lang="en-US"/>
           </a:p>
@@ -2375,7 +2386,7 @@
           <a:p>
             <a:fld id="{FDF332B7-306C-D642-8995-CAEA8C70EEA4}" type="datetimeFigureOut">
               <a:rPr lang="en-US" smtClean="0"/>
-              <a:t>8/3/19</a:t>
+              <a:t>3/23/20</a:t>
             </a:fld>
             <a:endParaRPr lang="en-US"/>
           </a:p>
@@ -2663,7 +2674,7 @@
           <a:p>
             <a:fld id="{FDF332B7-306C-D642-8995-CAEA8C70EEA4}" type="datetimeFigureOut">
               <a:rPr lang="en-US" smtClean="0"/>
-              <a:t>8/3/19</a:t>
+              <a:t>3/23/20</a:t>
             </a:fld>
             <a:endParaRPr lang="en-US"/>
           </a:p>
@@ -2904,7 +2915,7 @@
           <a:p>
             <a:fld id="{FDF332B7-306C-D642-8995-CAEA8C70EEA4}" type="datetimeFigureOut">
               <a:rPr lang="en-US" smtClean="0"/>
-              <a:t>8/3/19</a:t>
+              <a:t>3/23/20</a:t>
             </a:fld>
             <a:endParaRPr lang="en-US"/>
           </a:p>
@@ -3335,8 +3346,8 @@
         </p:nvSpPr>
         <p:spPr>
           <a:xfrm>
-            <a:off x="627580" y="1064002"/>
-            <a:ext cx="9997865" cy="5632311"/>
+            <a:off x="627580" y="923330"/>
+            <a:ext cx="7071936" cy="6001643"/>
           </a:xfrm>
           <a:prstGeom prst="rect">
             <a:avLst/>
@@ -3354,17 +3365,17 @@
               <a:buChar char="q"/>
             </a:pPr>
             <a:r>
-              <a:rPr lang="en-US" sz="3600" dirty="0"/>
-              <a:t>LED Panels</a:t>
-            </a:r>
-          </a:p>
-          <a:p>
-            <a:pPr marL="571500" indent="-571500">
-              <a:buFont typeface="Wingdings" pitchFamily="2" charset="2"/>
-              <a:buChar char="q"/>
-            </a:pPr>
-            <a:r>
-              <a:rPr lang="en-US" sz="3600" dirty="0"/>
+              <a:rPr lang="en-US" sz="2400" dirty="0"/>
+              <a:t>2 LED Panels</a:t>
+            </a:r>
+          </a:p>
+          <a:p>
+            <a:pPr marL="571500" indent="-571500">
+              <a:buFont typeface="Wingdings" pitchFamily="2" charset="2"/>
+              <a:buChar char="q"/>
+            </a:pPr>
+            <a:r>
+              <a:rPr lang="en-US" sz="2400" dirty="0"/>
               <a:t>PIXEL Kit with Shunt On</a:t>
             </a:r>
           </a:p>
@@ -3374,7 +3385,7 @@
               <a:buChar char="q"/>
             </a:pPr>
             <a:r>
-              <a:rPr lang="en-US" sz="3600" dirty="0"/>
+              <a:rPr lang="en-US" sz="2400" dirty="0"/>
               <a:t>Toggle Switch to USB</a:t>
             </a:r>
           </a:p>
@@ -3384,7 +3395,7 @@
               <a:buChar char="q"/>
             </a:pPr>
             <a:r>
-              <a:rPr lang="en-US" sz="3600" dirty="0"/>
+              <a:rPr lang="en-US" sz="2400" dirty="0"/>
               <a:t>Remove Bluetooth, Power Cable, Power Switch</a:t>
             </a:r>
           </a:p>
@@ -3394,7 +3405,7 @@
               <a:buChar char="q"/>
             </a:pPr>
             <a:r>
-              <a:rPr lang="en-US" sz="3600" dirty="0"/>
+              <a:rPr lang="en-US" sz="2400" dirty="0"/>
               <a:t>Custom Power Cable</a:t>
             </a:r>
           </a:p>
@@ -3404,17 +3415,17 @@
               <a:buChar char="q"/>
             </a:pPr>
             <a:r>
-              <a:rPr lang="en-US" sz="3600" dirty="0"/>
-              <a:t>Power Brick (Check that Cord is Tight)</a:t>
-            </a:r>
-          </a:p>
-          <a:p>
-            <a:pPr marL="571500" indent="-571500">
-              <a:buFont typeface="Wingdings" pitchFamily="2" charset="2"/>
-              <a:buChar char="q"/>
-            </a:pPr>
-            <a:r>
-              <a:rPr lang="en-US" sz="3600" dirty="0"/>
+              <a:rPr lang="en-US" sz="2400" dirty="0"/>
+              <a:t>5V, 10A Power Brick (Check that Cord is Tight)</a:t>
+            </a:r>
+          </a:p>
+          <a:p>
+            <a:pPr marL="571500" indent="-571500">
+              <a:buFont typeface="Wingdings" pitchFamily="2" charset="2"/>
+              <a:buChar char="q"/>
+            </a:pPr>
+            <a:r>
+              <a:rPr lang="en-US" sz="2400" dirty="0"/>
               <a:t>10 ft USB A-A Cable</a:t>
             </a:r>
           </a:p>
@@ -3424,28 +3435,88 @@
               <a:buChar char="q"/>
             </a:pPr>
             <a:r>
-              <a:rPr lang="en-US" sz="3600" dirty="0"/>
-              <a:t>Long IDC Ribbon Cable</a:t>
-            </a:r>
-          </a:p>
-          <a:p>
-            <a:pPr marL="571500" indent="-571500">
-              <a:buFont typeface="Wingdings" pitchFamily="2" charset="2"/>
-              <a:buChar char="q"/>
-            </a:pPr>
-            <a:r>
-              <a:rPr lang="en-US" sz="3600" dirty="0"/>
-              <a:t>6 Metal Screws</a:t>
-            </a:r>
-          </a:p>
-          <a:p>
-            <a:pPr marL="571500" indent="-571500">
-              <a:buFont typeface="Wingdings" pitchFamily="2" charset="2"/>
-              <a:buChar char="q"/>
-            </a:pPr>
-            <a:r>
-              <a:rPr lang="en-US" sz="3600" dirty="0"/>
-              <a:t>4 Nylon Screws, 8 Hex Nylon Nuts</a:t>
+              <a:rPr lang="en-US" sz="2400" dirty="0"/>
+              <a:t>(1) Medium IDC Cable</a:t>
+            </a:r>
+          </a:p>
+          <a:p>
+            <a:pPr marL="571500" indent="-571500">
+              <a:buFont typeface="Wingdings" pitchFamily="2" charset="2"/>
+              <a:buChar char="q"/>
+            </a:pPr>
+            <a:r>
+              <a:rPr lang="en-US" sz="2400" dirty="0"/>
+              <a:t>(1) Long IDC Ribbon Cable</a:t>
+            </a:r>
+          </a:p>
+          <a:p>
+            <a:pPr marL="571500" indent="-571500">
+              <a:buFont typeface="Wingdings" pitchFamily="2" charset="2"/>
+              <a:buChar char="q"/>
+            </a:pPr>
+            <a:r>
+              <a:rPr lang="en-US" sz="2400" dirty="0"/>
+              <a:t>16 M3 x 8 Machine Screws</a:t>
+            </a:r>
+          </a:p>
+          <a:p>
+            <a:pPr marL="571500" indent="-571500">
+              <a:buFont typeface="Wingdings" pitchFamily="2" charset="2"/>
+              <a:buChar char="q"/>
+            </a:pPr>
+            <a:r>
+              <a:rPr lang="en-US" sz="2400" dirty="0"/>
+              <a:t>(1) Pixel Board Mount</a:t>
+            </a:r>
+          </a:p>
+          <a:p>
+            <a:pPr marL="571500" indent="-571500">
+              <a:buFont typeface="Wingdings" pitchFamily="2" charset="2"/>
+              <a:buChar char="q"/>
+            </a:pPr>
+            <a:r>
+              <a:rPr lang="en-US" sz="2400" dirty="0"/>
+              <a:t>8 M3 x 14 Nylon Screws</a:t>
+            </a:r>
+          </a:p>
+          <a:p>
+            <a:pPr marL="571500" indent="-571500">
+              <a:buFont typeface="Wingdings" pitchFamily="2" charset="2"/>
+              <a:buChar char="q"/>
+            </a:pPr>
+            <a:r>
+              <a:rPr lang="en-US" sz="2400" dirty="0"/>
+              <a:t>(16) Nylon M3 Nuts</a:t>
+            </a:r>
+          </a:p>
+          <a:p>
+            <a:pPr marL="571500" indent="-571500">
+              <a:buFont typeface="Wingdings" pitchFamily="2" charset="2"/>
+              <a:buChar char="q"/>
+            </a:pPr>
+            <a:r>
+              <a:rPr lang="en-US" sz="2400" dirty="0"/>
+              <a:t>4 M3 x 16 Hex Stands</a:t>
+            </a:r>
+          </a:p>
+          <a:p>
+            <a:pPr marL="571500" indent="-571500">
+              <a:buFont typeface="Wingdings" pitchFamily="2" charset="2"/>
+              <a:buChar char="q"/>
+            </a:pPr>
+            <a:r>
+              <a:rPr lang="en-US" sz="2400" dirty="0"/>
+              <a:t>4 M3 x 6 Thumb Machine Screws</a:t>
+            </a:r>
+          </a:p>
+          <a:p>
+            <a:pPr marL="571500" indent="-571500">
+              <a:buFont typeface="Wingdings" pitchFamily="2" charset="2"/>
+              <a:buChar char="q"/>
+            </a:pPr>
+            <a:r>
+              <a:rPr lang="en-US" sz="2400" dirty="0"/>
+              <a:t>SD Card Adapter</a:t>
             </a:r>
           </a:p>
         </p:txBody>
@@ -3465,7 +3536,7 @@
         <p:spPr>
           <a:xfrm>
             <a:off x="627580" y="0"/>
-            <a:ext cx="5468420" cy="923330"/>
+            <a:ext cx="7937045" cy="923330"/>
           </a:xfrm>
           <a:prstGeom prst="rect">
             <a:avLst/>
@@ -3484,7 +3555,255 @@
             </a:r>
             <a:r>
               <a:rPr lang="en-US" sz="5400" u="sng" dirty="0"/>
-              <a:t> Checklist</a:t>
+              <a:t> Checklist P2.5 -P4</a:t>
+            </a:r>
+          </a:p>
+        </p:txBody>
+      </p:sp>
+    </p:spTree>
+    <p:extLst>
+      <p:ext uri="{BB962C8B-B14F-4D97-AF65-F5344CB8AC3E}">
+        <p14:creationId xmlns:p14="http://schemas.microsoft.com/office/powerpoint/2010/main" val="4177904608"/>
+      </p:ext>
+    </p:extLst>
+  </p:cSld>
+  <p:clrMapOvr>
+    <a:masterClrMapping/>
+  </p:clrMapOvr>
+</p:sld>
+</file>
+
+<file path=ppt/slides/slide2.xml><?xml version="1.0" encoding="utf-8"?>
+<p:sld xmlns:a="http://schemas.openxmlformats.org/drawingml/2006/main" xmlns:r="http://schemas.openxmlformats.org/officeDocument/2006/relationships" xmlns:p="http://schemas.openxmlformats.org/presentationml/2006/main">
+  <p:cSld>
+    <p:spTree>
+      <p:nvGrpSpPr>
+        <p:cNvPr id="1" name=""/>
+        <p:cNvGrpSpPr/>
+        <p:nvPr/>
+      </p:nvGrpSpPr>
+      <p:grpSpPr>
+        <a:xfrm>
+          <a:off x="0" y="0"/>
+          <a:ext cx="0" cy="0"/>
+          <a:chOff x="0" y="0"/>
+          <a:chExt cx="0" cy="0"/>
+        </a:xfrm>
+      </p:grpSpPr>
+      <p:sp>
+        <p:nvSpPr>
+          <p:cNvPr id="6" name="TextBox 5">
+            <a:extLst>
+              <a:ext uri="{FF2B5EF4-FFF2-40B4-BE49-F238E27FC236}">
+                <a16:creationId xmlns:a16="http://schemas.microsoft.com/office/drawing/2014/main" id="{E17B4C1D-388C-C144-A270-ADD17C7F609A}"/>
+              </a:ext>
+            </a:extLst>
+          </p:cNvPr>
+          <p:cNvSpPr txBox="1"/>
+          <p:nvPr/>
+        </p:nvSpPr>
+        <p:spPr>
+          <a:xfrm>
+            <a:off x="627580" y="1037498"/>
+            <a:ext cx="7071936" cy="5632311"/>
+          </a:xfrm>
+          <a:prstGeom prst="rect">
+            <a:avLst/>
+          </a:prstGeom>
+          <a:noFill/>
+        </p:spPr>
+        <p:txBody>
+          <a:bodyPr wrap="none" rtlCol="0">
+            <a:spAutoFit/>
+          </a:bodyPr>
+          <a:lstStyle/>
+          <a:p>
+            <a:pPr marL="571500" indent="-571500">
+              <a:buFont typeface="Wingdings" pitchFamily="2" charset="2"/>
+              <a:buChar char="q"/>
+            </a:pPr>
+            <a:r>
+              <a:rPr lang="en-US" sz="2400" dirty="0"/>
+              <a:t>2 LED Panels</a:t>
+            </a:r>
+          </a:p>
+          <a:p>
+            <a:pPr marL="571500" indent="-571500">
+              <a:buFont typeface="Wingdings" pitchFamily="2" charset="2"/>
+              <a:buChar char="q"/>
+            </a:pPr>
+            <a:r>
+              <a:rPr lang="en-US" sz="2400" dirty="0"/>
+              <a:t>PIXEL Kit with Shunt On</a:t>
+            </a:r>
+          </a:p>
+          <a:p>
+            <a:pPr marL="1028700" lvl="1" indent="-571500">
+              <a:buFont typeface="Wingdings" pitchFamily="2" charset="2"/>
+              <a:buChar char="q"/>
+            </a:pPr>
+            <a:r>
+              <a:rPr lang="en-US" sz="2400" dirty="0"/>
+              <a:t>Toggle Switch to USB</a:t>
+            </a:r>
+          </a:p>
+          <a:p>
+            <a:pPr marL="1028700" lvl="1" indent="-571500">
+              <a:buFont typeface="Wingdings" pitchFamily="2" charset="2"/>
+              <a:buChar char="q"/>
+            </a:pPr>
+            <a:r>
+              <a:rPr lang="en-US" sz="2400" dirty="0"/>
+              <a:t>Remove Bluetooth, Power Cable, Power Switch</a:t>
+            </a:r>
+          </a:p>
+          <a:p>
+            <a:pPr marL="571500" indent="-571500">
+              <a:buFont typeface="Wingdings" pitchFamily="2" charset="2"/>
+              <a:buChar char="q"/>
+            </a:pPr>
+            <a:r>
+              <a:rPr lang="en-US" sz="2400" dirty="0"/>
+              <a:t>Custom Power Cable</a:t>
+            </a:r>
+          </a:p>
+          <a:p>
+            <a:pPr marL="571500" indent="-571500">
+              <a:buFont typeface="Wingdings" pitchFamily="2" charset="2"/>
+              <a:buChar char="q"/>
+            </a:pPr>
+            <a:r>
+              <a:rPr lang="en-US" sz="2400" dirty="0"/>
+              <a:t>5V, 10A Power Brick (Check that Cord is Tight)</a:t>
+            </a:r>
+          </a:p>
+          <a:p>
+            <a:pPr marL="571500" indent="-571500">
+              <a:buFont typeface="Wingdings" pitchFamily="2" charset="2"/>
+              <a:buChar char="q"/>
+            </a:pPr>
+            <a:r>
+              <a:rPr lang="en-US" sz="2400" dirty="0"/>
+              <a:t>10 ft USB A-A Cable</a:t>
+            </a:r>
+          </a:p>
+          <a:p>
+            <a:pPr marL="571500" indent="-571500">
+              <a:buFont typeface="Wingdings" pitchFamily="2" charset="2"/>
+              <a:buChar char="q"/>
+            </a:pPr>
+            <a:r>
+              <a:rPr lang="en-US" sz="2400" dirty="0"/>
+              <a:t>(1) Medium IDC Cable</a:t>
+            </a:r>
+          </a:p>
+          <a:p>
+            <a:pPr marL="571500" indent="-571500">
+              <a:buFont typeface="Wingdings" pitchFamily="2" charset="2"/>
+              <a:buChar char="q"/>
+            </a:pPr>
+            <a:r>
+              <a:rPr lang="en-US" sz="2400" dirty="0"/>
+              <a:t>(1) Long IDC Ribbon Cable</a:t>
+            </a:r>
+          </a:p>
+          <a:p>
+            <a:pPr marL="571500" indent="-571500">
+              <a:buFont typeface="Wingdings" pitchFamily="2" charset="2"/>
+              <a:buChar char="q"/>
+            </a:pPr>
+            <a:r>
+              <a:rPr lang="en-US" sz="2400" dirty="0"/>
+              <a:t>16 M3 x 8 Machine Screws</a:t>
+            </a:r>
+          </a:p>
+          <a:p>
+            <a:pPr marL="571500" indent="-571500">
+              <a:buFont typeface="Wingdings" pitchFamily="2" charset="2"/>
+              <a:buChar char="q"/>
+            </a:pPr>
+            <a:r>
+              <a:rPr lang="en-US" sz="2400" dirty="0"/>
+              <a:t>4 M3 x 14 Nylon Screws</a:t>
+            </a:r>
+          </a:p>
+          <a:p>
+            <a:pPr marL="571500" indent="-571500">
+              <a:buFont typeface="Wingdings" pitchFamily="2" charset="2"/>
+              <a:buChar char="q"/>
+            </a:pPr>
+            <a:r>
+              <a:rPr lang="en-US" sz="2400" dirty="0"/>
+              <a:t>(8) Nylon M3 Nuts</a:t>
+            </a:r>
+          </a:p>
+          <a:p>
+            <a:pPr marL="571500" indent="-571500">
+              <a:buFont typeface="Wingdings" pitchFamily="2" charset="2"/>
+              <a:buChar char="q"/>
+            </a:pPr>
+            <a:r>
+              <a:rPr lang="en-US" sz="2400" dirty="0"/>
+              <a:t>4 M3 x 16 Hex Stands</a:t>
+            </a:r>
+          </a:p>
+          <a:p>
+            <a:pPr marL="571500" indent="-571500">
+              <a:buFont typeface="Wingdings" pitchFamily="2" charset="2"/>
+              <a:buChar char="q"/>
+            </a:pPr>
+            <a:r>
+              <a:rPr lang="en-US" sz="2400" dirty="0"/>
+              <a:t>4 M3 x 6 Thumb Machine Screws</a:t>
+            </a:r>
+          </a:p>
+          <a:p>
+            <a:pPr marL="571500" indent="-571500">
+              <a:buFont typeface="Wingdings" pitchFamily="2" charset="2"/>
+              <a:buChar char="q"/>
+            </a:pPr>
+            <a:r>
+              <a:rPr lang="en-US" sz="2400" dirty="0"/>
+              <a:t>SD Card Adapter</a:t>
+            </a:r>
+          </a:p>
+        </p:txBody>
+      </p:sp>
+      <p:sp>
+        <p:nvSpPr>
+          <p:cNvPr id="7" name="TextBox 6">
+            <a:extLst>
+              <a:ext uri="{FF2B5EF4-FFF2-40B4-BE49-F238E27FC236}">
+                <a16:creationId xmlns:a16="http://schemas.microsoft.com/office/drawing/2014/main" id="{43FCA862-8FD7-9144-9572-6B96A5BDDE53}"/>
+              </a:ext>
+            </a:extLst>
+          </p:cNvPr>
+          <p:cNvSpPr txBox="1"/>
+          <p:nvPr/>
+        </p:nvSpPr>
+        <p:spPr>
+          <a:xfrm>
+            <a:off x="627580" y="0"/>
+            <a:ext cx="7701404" cy="923330"/>
+          </a:xfrm>
+          <a:prstGeom prst="rect">
+            <a:avLst/>
+          </a:prstGeom>
+          <a:noFill/>
+        </p:spPr>
+        <p:txBody>
+          <a:bodyPr wrap="none" rtlCol="0">
+            <a:spAutoFit/>
+          </a:bodyPr>
+          <a:lstStyle/>
+          <a:p>
+            <a:r>
+              <a:rPr lang="en-US" sz="5400" u="sng" dirty="0" err="1"/>
+              <a:t>Pixelcade</a:t>
+            </a:r>
+            <a:r>
+              <a:rPr lang="en-US" sz="5400" u="sng" dirty="0"/>
+              <a:t> Checklist P5 – P6</a:t>
             </a:r>
           </a:p>
         </p:txBody>
@@ -3493,6 +3812,1849 @@
     <p:extLst>
       <p:ext uri="{BB962C8B-B14F-4D97-AF65-F5344CB8AC3E}">
         <p14:creationId xmlns:p14="http://schemas.microsoft.com/office/powerpoint/2010/main" val="3130173854"/>
+      </p:ext>
+    </p:extLst>
+  </p:cSld>
+  <p:clrMapOvr>
+    <a:masterClrMapping/>
+  </p:clrMapOvr>
+</p:sld>
+</file>
+
+<file path=ppt/slides/slide3.xml><?xml version="1.0" encoding="utf-8"?>
+<p:sld xmlns:a="http://schemas.openxmlformats.org/drawingml/2006/main" xmlns:r="http://schemas.openxmlformats.org/officeDocument/2006/relationships" xmlns:p="http://schemas.openxmlformats.org/presentationml/2006/main">
+  <p:cSld>
+    <p:spTree>
+      <p:nvGrpSpPr>
+        <p:cNvPr id="1" name=""/>
+        <p:cNvGrpSpPr/>
+        <p:nvPr/>
+      </p:nvGrpSpPr>
+      <p:grpSpPr>
+        <a:xfrm>
+          <a:off x="0" y="0"/>
+          <a:ext cx="0" cy="0"/>
+          <a:chOff x="0" y="0"/>
+          <a:chExt cx="0" cy="0"/>
+        </a:xfrm>
+      </p:grpSpPr>
+      <p:sp>
+        <p:nvSpPr>
+          <p:cNvPr id="6" name="TextBox 5">
+            <a:extLst>
+              <a:ext uri="{FF2B5EF4-FFF2-40B4-BE49-F238E27FC236}">
+                <a16:creationId xmlns:a16="http://schemas.microsoft.com/office/drawing/2014/main" id="{E17B4C1D-388C-C144-A270-ADD17C7F609A}"/>
+              </a:ext>
+            </a:extLst>
+          </p:cNvPr>
+          <p:cNvSpPr txBox="1"/>
+          <p:nvPr/>
+        </p:nvSpPr>
+        <p:spPr>
+          <a:xfrm>
+            <a:off x="627580" y="575695"/>
+            <a:ext cx="5686813" cy="7109639"/>
+          </a:xfrm>
+          <a:prstGeom prst="rect">
+            <a:avLst/>
+          </a:prstGeom>
+          <a:noFill/>
+        </p:spPr>
+        <p:txBody>
+          <a:bodyPr wrap="none" rtlCol="0">
+            <a:spAutoFit/>
+          </a:bodyPr>
+          <a:lstStyle/>
+          <a:p>
+            <a:pPr marL="571500" indent="-571500">
+              <a:buFont typeface="Wingdings" pitchFamily="2" charset="2"/>
+              <a:buChar char="q"/>
+            </a:pPr>
+            <a:r>
+              <a:rPr lang="en-US" sz="2400" dirty="0"/>
+              <a:t>(2) P3 LED Panels</a:t>
+            </a:r>
+          </a:p>
+          <a:p>
+            <a:pPr marL="571500" indent="-571500">
+              <a:buFont typeface="Wingdings" pitchFamily="2" charset="2"/>
+              <a:buChar char="q"/>
+            </a:pPr>
+            <a:r>
+              <a:rPr lang="en-US" sz="2400" dirty="0"/>
+              <a:t>PIXELCADE Kit with Shunt On</a:t>
+            </a:r>
+          </a:p>
+          <a:p>
+            <a:pPr marL="1028700" lvl="1" indent="-571500">
+              <a:buFont typeface="Wingdings" pitchFamily="2" charset="2"/>
+              <a:buChar char="q"/>
+            </a:pPr>
+            <a:r>
+              <a:rPr lang="en-US" sz="2400" dirty="0"/>
+              <a:t>Toggle Switch to USB</a:t>
+            </a:r>
+          </a:p>
+          <a:p>
+            <a:pPr marL="1028700" lvl="1" indent="-571500">
+              <a:buFont typeface="Wingdings" pitchFamily="2" charset="2"/>
+              <a:buChar char="q"/>
+            </a:pPr>
+            <a:r>
+              <a:rPr lang="en-US" sz="2400" dirty="0"/>
+              <a:t>Remove Power Cable, Power Switch</a:t>
+            </a:r>
+          </a:p>
+          <a:p>
+            <a:pPr marL="571500" indent="-571500">
+              <a:buFont typeface="Wingdings" pitchFamily="2" charset="2"/>
+              <a:buChar char="q"/>
+            </a:pPr>
+            <a:r>
+              <a:rPr lang="en-US" sz="2400" dirty="0"/>
+              <a:t>Custom Power Cable</a:t>
+            </a:r>
+          </a:p>
+          <a:p>
+            <a:pPr marL="571500" indent="-571500">
+              <a:buFont typeface="Wingdings" pitchFamily="2" charset="2"/>
+              <a:buChar char="q"/>
+            </a:pPr>
+            <a:r>
+              <a:rPr lang="en-US" sz="2400" dirty="0"/>
+              <a:t>8 M3 x 14 Nylon Screws</a:t>
+            </a:r>
+          </a:p>
+          <a:p>
+            <a:pPr marL="571500" indent="-571500">
+              <a:buFont typeface="Wingdings" pitchFamily="2" charset="2"/>
+              <a:buChar char="q"/>
+            </a:pPr>
+            <a:r>
+              <a:rPr lang="en-US" sz="2400" dirty="0"/>
+              <a:t>(16) Nylon M3 nuts</a:t>
+            </a:r>
+          </a:p>
+          <a:p>
+            <a:pPr marL="571500" indent="-571500">
+              <a:buFont typeface="Wingdings" pitchFamily="2" charset="2"/>
+              <a:buChar char="q"/>
+            </a:pPr>
+            <a:r>
+              <a:rPr lang="en-US" sz="2400" dirty="0"/>
+              <a:t>(16) M3 x 8 Screws</a:t>
+            </a:r>
+          </a:p>
+          <a:p>
+            <a:pPr marL="571500" indent="-571500">
+              <a:buFont typeface="Wingdings" pitchFamily="2" charset="2"/>
+              <a:buChar char="q"/>
+            </a:pPr>
+            <a:r>
+              <a:rPr lang="en-US" sz="2400" dirty="0"/>
+              <a:t>1 Pixel Board Mount</a:t>
+            </a:r>
+          </a:p>
+          <a:p>
+            <a:pPr marL="571500" indent="-571500">
+              <a:buFont typeface="Wingdings" pitchFamily="2" charset="2"/>
+              <a:buChar char="q"/>
+            </a:pPr>
+            <a:r>
+              <a:rPr lang="en-US" sz="2400" dirty="0"/>
+              <a:t>2 Zip Ties</a:t>
+            </a:r>
+          </a:p>
+          <a:p>
+            <a:pPr marL="571500" indent="-571500">
+              <a:buFont typeface="Wingdings" pitchFamily="2" charset="2"/>
+              <a:buChar char="q"/>
+            </a:pPr>
+            <a:r>
+              <a:rPr lang="en-US" sz="2400" dirty="0"/>
+              <a:t>(4) B Blocks ¼” Thick</a:t>
+            </a:r>
+          </a:p>
+          <a:p>
+            <a:pPr marL="571500" indent="-571500">
+              <a:buFont typeface="Wingdings" pitchFamily="2" charset="2"/>
+              <a:buChar char="q"/>
+            </a:pPr>
+            <a:r>
+              <a:rPr lang="en-US" sz="2400" dirty="0"/>
+              <a:t>(4) M3 x 20 Screws</a:t>
+            </a:r>
+          </a:p>
+          <a:p>
+            <a:pPr marL="571500" indent="-571500">
+              <a:buFont typeface="Wingdings" pitchFamily="2" charset="2"/>
+              <a:buChar char="q"/>
+            </a:pPr>
+            <a:r>
+              <a:rPr lang="en-US" sz="2400" dirty="0"/>
+              <a:t>(4) M3 Hex Nuts </a:t>
+            </a:r>
+          </a:p>
+          <a:p>
+            <a:pPr marL="571500" indent="-571500">
+              <a:buFont typeface="Wingdings" pitchFamily="2" charset="2"/>
+              <a:buChar char="q"/>
+            </a:pPr>
+            <a:r>
+              <a:rPr lang="en-US" sz="2400" dirty="0"/>
+              <a:t>(4) Hex M3 x 15 Stands</a:t>
+            </a:r>
+          </a:p>
+          <a:p>
+            <a:pPr marL="571500" indent="-571500">
+              <a:buFont typeface="Wingdings" pitchFamily="2" charset="2"/>
+              <a:buChar char="q"/>
+            </a:pPr>
+            <a:r>
+              <a:rPr lang="en-US" sz="2400" dirty="0"/>
+              <a:t>(2) Short IDC Cables</a:t>
+            </a:r>
+          </a:p>
+          <a:p>
+            <a:pPr marL="571500" indent="-571500">
+              <a:buFont typeface="Wingdings" pitchFamily="2" charset="2"/>
+              <a:buChar char="q"/>
+            </a:pPr>
+            <a:r>
+              <a:rPr lang="en-US" sz="2400" dirty="0"/>
+              <a:t>(8) Washers</a:t>
+            </a:r>
+          </a:p>
+          <a:p>
+            <a:pPr marL="571500" indent="-571500">
+              <a:buFont typeface="Wingdings" pitchFamily="2" charset="2"/>
+              <a:buChar char="q"/>
+            </a:pPr>
+            <a:endParaRPr lang="en-US" sz="2400" dirty="0"/>
+          </a:p>
+          <a:p>
+            <a:pPr marL="571500" indent="-571500">
+              <a:buFont typeface="Wingdings" pitchFamily="2" charset="2"/>
+              <a:buChar char="q"/>
+            </a:pPr>
+            <a:endParaRPr lang="en-US" sz="2400" dirty="0"/>
+          </a:p>
+          <a:p>
+            <a:pPr marL="571500" indent="-571500">
+              <a:buFont typeface="Wingdings" pitchFamily="2" charset="2"/>
+              <a:buChar char="q"/>
+            </a:pPr>
+            <a:endParaRPr lang="en-US" sz="2400" dirty="0"/>
+          </a:p>
+        </p:txBody>
+      </p:sp>
+      <p:sp>
+        <p:nvSpPr>
+          <p:cNvPr id="7" name="TextBox 6">
+            <a:extLst>
+              <a:ext uri="{FF2B5EF4-FFF2-40B4-BE49-F238E27FC236}">
+                <a16:creationId xmlns:a16="http://schemas.microsoft.com/office/drawing/2014/main" id="{43FCA862-8FD7-9144-9572-6B96A5BDDE53}"/>
+              </a:ext>
+            </a:extLst>
+          </p:cNvPr>
+          <p:cNvSpPr txBox="1"/>
+          <p:nvPr/>
+        </p:nvSpPr>
+        <p:spPr>
+          <a:xfrm>
+            <a:off x="627580" y="-57875"/>
+            <a:ext cx="5258747" cy="584775"/>
+          </a:xfrm>
+          <a:prstGeom prst="rect">
+            <a:avLst/>
+          </a:prstGeom>
+          <a:noFill/>
+        </p:spPr>
+        <p:txBody>
+          <a:bodyPr wrap="none" rtlCol="0">
+            <a:spAutoFit/>
+          </a:bodyPr>
+          <a:lstStyle/>
+          <a:p>
+            <a:r>
+              <a:rPr lang="en-US" sz="3200" u="sng" dirty="0" err="1"/>
+              <a:t>Pixelcade</a:t>
+            </a:r>
+            <a:r>
+              <a:rPr lang="en-US" sz="3200" u="sng" dirty="0"/>
+              <a:t> Arcade1Up Checklist</a:t>
+            </a:r>
+          </a:p>
+        </p:txBody>
+      </p:sp>
+      <p:sp>
+        <p:nvSpPr>
+          <p:cNvPr id="5" name="TextBox 4">
+            <a:extLst>
+              <a:ext uri="{FF2B5EF4-FFF2-40B4-BE49-F238E27FC236}">
+                <a16:creationId xmlns:a16="http://schemas.microsoft.com/office/drawing/2014/main" id="{3131F6C7-05A2-E743-94AD-18D8251686E9}"/>
+              </a:ext>
+            </a:extLst>
+          </p:cNvPr>
+          <p:cNvSpPr txBox="1"/>
+          <p:nvPr/>
+        </p:nvSpPr>
+        <p:spPr>
+          <a:xfrm>
+            <a:off x="6314393" y="699666"/>
+            <a:ext cx="5663473" cy="5262979"/>
+          </a:xfrm>
+          <a:prstGeom prst="rect">
+            <a:avLst/>
+          </a:prstGeom>
+          <a:noFill/>
+        </p:spPr>
+        <p:txBody>
+          <a:bodyPr wrap="none" rtlCol="0">
+            <a:spAutoFit/>
+          </a:bodyPr>
+          <a:lstStyle/>
+          <a:p>
+            <a:pPr marL="571500" indent="-571500">
+              <a:buFont typeface="Wingdings" pitchFamily="2" charset="2"/>
+              <a:buChar char="q"/>
+            </a:pPr>
+            <a:r>
+              <a:rPr lang="en-US" sz="2800" dirty="0"/>
+              <a:t>Arcade1Up Instruction Sheet</a:t>
+            </a:r>
+          </a:p>
+          <a:p>
+            <a:pPr marL="571500" indent="-571500">
+              <a:buFont typeface="Wingdings" pitchFamily="2" charset="2"/>
+              <a:buChar char="q"/>
+            </a:pPr>
+            <a:r>
+              <a:rPr lang="en-US" sz="2800" dirty="0"/>
+              <a:t>(1) Front Panel</a:t>
+            </a:r>
+          </a:p>
+          <a:p>
+            <a:pPr marL="571500" indent="-571500">
+              <a:buFont typeface="Wingdings" pitchFamily="2" charset="2"/>
+              <a:buChar char="q"/>
+            </a:pPr>
+            <a:r>
+              <a:rPr lang="en-US" sz="2800" dirty="0"/>
+              <a:t>(1) Top Front Panel Cover</a:t>
+            </a:r>
+          </a:p>
+          <a:p>
+            <a:pPr marL="571500" indent="-571500">
+              <a:buFont typeface="Wingdings" pitchFamily="2" charset="2"/>
+              <a:buChar char="q"/>
+            </a:pPr>
+            <a:r>
+              <a:rPr lang="en-US" sz="2800" dirty="0"/>
+              <a:t>(4) M3 x 6 Thumb Screws</a:t>
+            </a:r>
+          </a:p>
+          <a:p>
+            <a:pPr marL="571500" indent="-571500">
+              <a:buFont typeface="Wingdings" pitchFamily="2" charset="2"/>
+              <a:buChar char="q"/>
+            </a:pPr>
+            <a:r>
+              <a:rPr lang="en-US" sz="2800" dirty="0"/>
+              <a:t>(3) #10 1 1/4” Wood Screws</a:t>
+            </a:r>
+          </a:p>
+          <a:p>
+            <a:pPr marL="571500" indent="-571500">
+              <a:buFont typeface="Wingdings" pitchFamily="2" charset="2"/>
+              <a:buChar char="q"/>
+            </a:pPr>
+            <a:r>
+              <a:rPr lang="en-US" sz="2800" dirty="0"/>
+              <a:t>(2) #8  1” Wood Screw</a:t>
+            </a:r>
+          </a:p>
+          <a:p>
+            <a:pPr marL="571500" indent="-571500">
+              <a:buFont typeface="Wingdings" pitchFamily="2" charset="2"/>
+              <a:buChar char="q"/>
+            </a:pPr>
+            <a:r>
+              <a:rPr lang="en-US" sz="2800" dirty="0"/>
+              <a:t>5V, 10A Power Brick </a:t>
+            </a:r>
+            <a:r>
+              <a:rPr lang="en-US" sz="2000" dirty="0"/>
+              <a:t>(Check Tight Cord)</a:t>
+            </a:r>
+          </a:p>
+          <a:p>
+            <a:pPr marL="571500" indent="-571500">
+              <a:buFont typeface="Wingdings" pitchFamily="2" charset="2"/>
+              <a:buChar char="q"/>
+            </a:pPr>
+            <a:r>
+              <a:rPr lang="en-US" sz="2800" dirty="0"/>
+              <a:t>6 ft USB A-A Cable</a:t>
+            </a:r>
+          </a:p>
+          <a:p>
+            <a:pPr marL="571500" indent="-571500">
+              <a:buFont typeface="Wingdings" pitchFamily="2" charset="2"/>
+              <a:buChar char="q"/>
+            </a:pPr>
+            <a:r>
+              <a:rPr lang="en-US" sz="2800" dirty="0"/>
+              <a:t>(2) C Spacers ¼” Thick</a:t>
+            </a:r>
+          </a:p>
+          <a:p>
+            <a:pPr marL="571500" indent="-571500">
+              <a:buFont typeface="Wingdings" pitchFamily="2" charset="2"/>
+              <a:buChar char="q"/>
+            </a:pPr>
+            <a:r>
+              <a:rPr lang="en-US" sz="2800" dirty="0"/>
+              <a:t>Bluetooth Dongle</a:t>
+            </a:r>
+          </a:p>
+          <a:p>
+            <a:pPr marL="571500" indent="-571500">
+              <a:buFont typeface="Wingdings" pitchFamily="2" charset="2"/>
+              <a:buChar char="q"/>
+            </a:pPr>
+            <a:r>
+              <a:rPr lang="en-US" sz="2800" dirty="0"/>
+              <a:t>SD Card Adapter</a:t>
+            </a:r>
+          </a:p>
+          <a:p>
+            <a:pPr marL="571500" indent="-571500">
+              <a:buFont typeface="Wingdings" pitchFamily="2" charset="2"/>
+              <a:buChar char="q"/>
+            </a:pPr>
+            <a:endParaRPr lang="en-US" sz="2800" dirty="0"/>
+          </a:p>
+        </p:txBody>
+      </p:sp>
+    </p:spTree>
+    <p:extLst>
+      <p:ext uri="{BB962C8B-B14F-4D97-AF65-F5344CB8AC3E}">
+        <p14:creationId xmlns:p14="http://schemas.microsoft.com/office/powerpoint/2010/main" val="1699061042"/>
+      </p:ext>
+    </p:extLst>
+  </p:cSld>
+  <p:clrMapOvr>
+    <a:masterClrMapping/>
+  </p:clrMapOvr>
+</p:sld>
+</file>
+
+<file path=ppt/slides/slide4.xml><?xml version="1.0" encoding="utf-8"?>
+<p:sld xmlns:a="http://schemas.openxmlformats.org/drawingml/2006/main" xmlns:r="http://schemas.openxmlformats.org/officeDocument/2006/relationships" xmlns:p="http://schemas.openxmlformats.org/presentationml/2006/main">
+  <p:cSld>
+    <p:spTree>
+      <p:nvGrpSpPr>
+        <p:cNvPr id="1" name=""/>
+        <p:cNvGrpSpPr/>
+        <p:nvPr/>
+      </p:nvGrpSpPr>
+      <p:grpSpPr>
+        <a:xfrm>
+          <a:off x="0" y="0"/>
+          <a:ext cx="0" cy="0"/>
+          <a:chOff x="0" y="0"/>
+          <a:chExt cx="0" cy="0"/>
+        </a:xfrm>
+      </p:grpSpPr>
+      <p:sp>
+        <p:nvSpPr>
+          <p:cNvPr id="6" name="TextBox 5">
+            <a:extLst>
+              <a:ext uri="{FF2B5EF4-FFF2-40B4-BE49-F238E27FC236}">
+                <a16:creationId xmlns:a16="http://schemas.microsoft.com/office/drawing/2014/main" id="{E17B4C1D-388C-C144-A270-ADD17C7F609A}"/>
+              </a:ext>
+            </a:extLst>
+          </p:cNvPr>
+          <p:cNvSpPr txBox="1"/>
+          <p:nvPr/>
+        </p:nvSpPr>
+        <p:spPr>
+          <a:xfrm>
+            <a:off x="627580" y="575695"/>
+            <a:ext cx="5686813" cy="6001643"/>
+          </a:xfrm>
+          <a:prstGeom prst="rect">
+            <a:avLst/>
+          </a:prstGeom>
+          <a:noFill/>
+        </p:spPr>
+        <p:txBody>
+          <a:bodyPr wrap="none" rtlCol="0">
+            <a:spAutoFit/>
+          </a:bodyPr>
+          <a:lstStyle/>
+          <a:p>
+            <a:pPr marL="571500" indent="-571500">
+              <a:buFont typeface="Wingdings" pitchFamily="2" charset="2"/>
+              <a:buChar char="q"/>
+            </a:pPr>
+            <a:r>
+              <a:rPr lang="en-US" sz="2400" dirty="0"/>
+              <a:t>(2) LED Panels</a:t>
+            </a:r>
+          </a:p>
+          <a:p>
+            <a:pPr marL="571500" indent="-571500">
+              <a:buFont typeface="Wingdings" pitchFamily="2" charset="2"/>
+              <a:buChar char="q"/>
+            </a:pPr>
+            <a:r>
+              <a:rPr lang="en-US" sz="2400" dirty="0"/>
+              <a:t>PIXELCADE Kit with Shunt On</a:t>
+            </a:r>
+          </a:p>
+          <a:p>
+            <a:pPr marL="1028700" lvl="1" indent="-571500">
+              <a:buFont typeface="Wingdings" pitchFamily="2" charset="2"/>
+              <a:buChar char="q"/>
+            </a:pPr>
+            <a:r>
+              <a:rPr lang="en-US" sz="2400" dirty="0"/>
+              <a:t>Toggle Switch to USB</a:t>
+            </a:r>
+          </a:p>
+          <a:p>
+            <a:pPr marL="1028700" lvl="1" indent="-571500">
+              <a:buFont typeface="Wingdings" pitchFamily="2" charset="2"/>
+              <a:buChar char="q"/>
+            </a:pPr>
+            <a:r>
+              <a:rPr lang="en-US" sz="2400" dirty="0"/>
+              <a:t>Remove Power Cable, Power Switch</a:t>
+            </a:r>
+          </a:p>
+          <a:p>
+            <a:pPr marL="571500" indent="-571500">
+              <a:buFont typeface="Wingdings" pitchFamily="2" charset="2"/>
+              <a:buChar char="q"/>
+            </a:pPr>
+            <a:r>
+              <a:rPr lang="en-US" sz="2400" dirty="0"/>
+              <a:t>Custom Power Cable</a:t>
+            </a:r>
+          </a:p>
+          <a:p>
+            <a:pPr marL="571500" indent="-571500">
+              <a:buFont typeface="Wingdings" pitchFamily="2" charset="2"/>
+              <a:buChar char="q"/>
+            </a:pPr>
+            <a:r>
+              <a:rPr lang="en-US" sz="2400" dirty="0"/>
+              <a:t>8 M3 x 14 Nylon Screws</a:t>
+            </a:r>
+          </a:p>
+          <a:p>
+            <a:pPr marL="571500" indent="-571500">
+              <a:buFont typeface="Wingdings" pitchFamily="2" charset="2"/>
+              <a:buChar char="q"/>
+            </a:pPr>
+            <a:r>
+              <a:rPr lang="en-US" sz="2400" dirty="0"/>
+              <a:t>(16) Nylon M3 nuts</a:t>
+            </a:r>
+          </a:p>
+          <a:p>
+            <a:pPr marL="571500" indent="-571500">
+              <a:buFont typeface="Wingdings" pitchFamily="2" charset="2"/>
+              <a:buChar char="q"/>
+            </a:pPr>
+            <a:r>
+              <a:rPr lang="en-US" sz="2400" dirty="0"/>
+              <a:t>(16) M3 x 8 Screws</a:t>
+            </a:r>
+          </a:p>
+          <a:p>
+            <a:pPr marL="571500" indent="-571500">
+              <a:buFont typeface="Wingdings" pitchFamily="2" charset="2"/>
+              <a:buChar char="q"/>
+            </a:pPr>
+            <a:r>
+              <a:rPr lang="en-US" sz="2400" dirty="0"/>
+              <a:t>1 Pixel Board Mount</a:t>
+            </a:r>
+          </a:p>
+          <a:p>
+            <a:pPr marL="571500" indent="-571500">
+              <a:buFont typeface="Wingdings" pitchFamily="2" charset="2"/>
+              <a:buChar char="q"/>
+            </a:pPr>
+            <a:r>
+              <a:rPr lang="en-US" sz="2400" dirty="0"/>
+              <a:t>2 Zip Ties </a:t>
+            </a:r>
+          </a:p>
+          <a:p>
+            <a:pPr marL="571500" indent="-571500">
+              <a:buFont typeface="Wingdings" pitchFamily="2" charset="2"/>
+              <a:buChar char="q"/>
+            </a:pPr>
+            <a:r>
+              <a:rPr lang="en-US" sz="2400" dirty="0"/>
+              <a:t>(4) Hex M3 x 15 Stands</a:t>
+            </a:r>
+          </a:p>
+          <a:p>
+            <a:pPr marL="571500" indent="-571500">
+              <a:buFont typeface="Wingdings" pitchFamily="2" charset="2"/>
+              <a:buChar char="q"/>
+            </a:pPr>
+            <a:r>
+              <a:rPr lang="en-US" sz="2400" dirty="0"/>
+              <a:t>(2) Short IDC Cables</a:t>
+            </a:r>
+          </a:p>
+          <a:p>
+            <a:pPr marL="571500" indent="-571500">
+              <a:buFont typeface="Wingdings" pitchFamily="2" charset="2"/>
+              <a:buChar char="q"/>
+            </a:pPr>
+            <a:r>
+              <a:rPr lang="en-US" sz="2400" dirty="0"/>
+              <a:t>(1) Long IDC Cable</a:t>
+            </a:r>
+          </a:p>
+          <a:p>
+            <a:pPr marL="571500" indent="-571500">
+              <a:buFont typeface="Wingdings" pitchFamily="2" charset="2"/>
+              <a:buChar char="q"/>
+            </a:pPr>
+            <a:endParaRPr lang="en-US" sz="2400" dirty="0"/>
+          </a:p>
+          <a:p>
+            <a:pPr marL="571500" indent="-571500">
+              <a:buFont typeface="Wingdings" pitchFamily="2" charset="2"/>
+              <a:buChar char="q"/>
+            </a:pPr>
+            <a:endParaRPr lang="en-US" sz="2400" dirty="0"/>
+          </a:p>
+          <a:p>
+            <a:pPr marL="571500" indent="-571500">
+              <a:buFont typeface="Wingdings" pitchFamily="2" charset="2"/>
+              <a:buChar char="q"/>
+            </a:pPr>
+            <a:endParaRPr lang="en-US" sz="2400" dirty="0"/>
+          </a:p>
+        </p:txBody>
+      </p:sp>
+      <p:sp>
+        <p:nvSpPr>
+          <p:cNvPr id="7" name="TextBox 6">
+            <a:extLst>
+              <a:ext uri="{FF2B5EF4-FFF2-40B4-BE49-F238E27FC236}">
+                <a16:creationId xmlns:a16="http://schemas.microsoft.com/office/drawing/2014/main" id="{43FCA862-8FD7-9144-9572-6B96A5BDDE53}"/>
+              </a:ext>
+            </a:extLst>
+          </p:cNvPr>
+          <p:cNvSpPr txBox="1"/>
+          <p:nvPr/>
+        </p:nvSpPr>
+        <p:spPr>
+          <a:xfrm>
+            <a:off x="627580" y="-57875"/>
+            <a:ext cx="4647747" cy="584775"/>
+          </a:xfrm>
+          <a:prstGeom prst="rect">
+            <a:avLst/>
+          </a:prstGeom>
+          <a:noFill/>
+        </p:spPr>
+        <p:txBody>
+          <a:bodyPr wrap="none" rtlCol="0">
+            <a:spAutoFit/>
+          </a:bodyPr>
+          <a:lstStyle/>
+          <a:p>
+            <a:r>
+              <a:rPr lang="en-US" sz="3200" u="sng" dirty="0"/>
+              <a:t>Custom Marquee Checklist</a:t>
+            </a:r>
+          </a:p>
+        </p:txBody>
+      </p:sp>
+      <p:sp>
+        <p:nvSpPr>
+          <p:cNvPr id="5" name="TextBox 4">
+            <a:extLst>
+              <a:ext uri="{FF2B5EF4-FFF2-40B4-BE49-F238E27FC236}">
+                <a16:creationId xmlns:a16="http://schemas.microsoft.com/office/drawing/2014/main" id="{3131F6C7-05A2-E743-94AD-18D8251686E9}"/>
+              </a:ext>
+            </a:extLst>
+          </p:cNvPr>
+          <p:cNvSpPr txBox="1"/>
+          <p:nvPr/>
+        </p:nvSpPr>
+        <p:spPr>
+          <a:xfrm>
+            <a:off x="6314393" y="699666"/>
+            <a:ext cx="5663473" cy="3970318"/>
+          </a:xfrm>
+          <a:prstGeom prst="rect">
+            <a:avLst/>
+          </a:prstGeom>
+          <a:noFill/>
+        </p:spPr>
+        <p:txBody>
+          <a:bodyPr wrap="none" rtlCol="0">
+            <a:spAutoFit/>
+          </a:bodyPr>
+          <a:lstStyle/>
+          <a:p>
+            <a:pPr marL="571500" indent="-571500">
+              <a:buFont typeface="Wingdings" pitchFamily="2" charset="2"/>
+              <a:buChar char="q"/>
+            </a:pPr>
+            <a:r>
+              <a:rPr lang="en-US" sz="2800" dirty="0" err="1"/>
+              <a:t>Pixelcade</a:t>
+            </a:r>
+            <a:r>
+              <a:rPr lang="en-US" sz="2800" dirty="0"/>
+              <a:t> Instruction Sheet</a:t>
+            </a:r>
+          </a:p>
+          <a:p>
+            <a:pPr marL="571500" indent="-571500">
+              <a:buFont typeface="Wingdings" pitchFamily="2" charset="2"/>
+              <a:buChar char="q"/>
+            </a:pPr>
+            <a:r>
+              <a:rPr lang="en-US" sz="2800" dirty="0"/>
+              <a:t>(1) Front Panel</a:t>
+            </a:r>
+          </a:p>
+          <a:p>
+            <a:pPr marL="571500" indent="-571500">
+              <a:buFont typeface="Wingdings" pitchFamily="2" charset="2"/>
+              <a:buChar char="q"/>
+            </a:pPr>
+            <a:r>
+              <a:rPr lang="en-US" sz="2800" dirty="0"/>
+              <a:t>(1) Top Front Panel Cover</a:t>
+            </a:r>
+          </a:p>
+          <a:p>
+            <a:pPr marL="571500" indent="-571500">
+              <a:buFont typeface="Wingdings" pitchFamily="2" charset="2"/>
+              <a:buChar char="q"/>
+            </a:pPr>
+            <a:r>
+              <a:rPr lang="en-US" sz="2800" dirty="0"/>
+              <a:t>(4) M3 x 6 Thumb Screws</a:t>
+            </a:r>
+          </a:p>
+          <a:p>
+            <a:pPr marL="571500" indent="-571500">
+              <a:buFont typeface="Wingdings" pitchFamily="2" charset="2"/>
+              <a:buChar char="q"/>
+            </a:pPr>
+            <a:r>
+              <a:rPr lang="en-US" sz="2800" dirty="0"/>
+              <a:t>5V, 10A Power Brick </a:t>
+            </a:r>
+            <a:r>
+              <a:rPr lang="en-US" sz="2000" dirty="0"/>
+              <a:t>(Check Tight Cord)</a:t>
+            </a:r>
+          </a:p>
+          <a:p>
+            <a:pPr marL="571500" indent="-571500">
+              <a:buFont typeface="Wingdings" pitchFamily="2" charset="2"/>
+              <a:buChar char="q"/>
+            </a:pPr>
+            <a:r>
+              <a:rPr lang="en-US" sz="2800" dirty="0"/>
+              <a:t>6 ft USB A-A Cable</a:t>
+            </a:r>
+          </a:p>
+          <a:p>
+            <a:pPr marL="571500" indent="-571500">
+              <a:buFont typeface="Wingdings" pitchFamily="2" charset="2"/>
+              <a:buChar char="q"/>
+            </a:pPr>
+            <a:r>
+              <a:rPr lang="en-US" sz="2800" dirty="0"/>
+              <a:t>10 ft USB A-A Cable</a:t>
+            </a:r>
+          </a:p>
+          <a:p>
+            <a:pPr marL="571500" indent="-571500">
+              <a:buFont typeface="Wingdings" pitchFamily="2" charset="2"/>
+              <a:buChar char="q"/>
+            </a:pPr>
+            <a:r>
+              <a:rPr lang="en-US" sz="2800" dirty="0"/>
+              <a:t>SD Card Adapter</a:t>
+            </a:r>
+          </a:p>
+          <a:p>
+            <a:endParaRPr lang="en-US" sz="2800" dirty="0"/>
+          </a:p>
+        </p:txBody>
+      </p:sp>
+    </p:spTree>
+    <p:extLst>
+      <p:ext uri="{BB962C8B-B14F-4D97-AF65-F5344CB8AC3E}">
+        <p14:creationId xmlns:p14="http://schemas.microsoft.com/office/powerpoint/2010/main" val="2464973248"/>
+      </p:ext>
+    </p:extLst>
+  </p:cSld>
+  <p:clrMapOvr>
+    <a:masterClrMapping/>
+  </p:clrMapOvr>
+</p:sld>
+</file>
+
+<file path=ppt/slides/slide5.xml><?xml version="1.0" encoding="utf-8"?>
+<p:sld xmlns:a="http://schemas.openxmlformats.org/drawingml/2006/main" xmlns:r="http://schemas.openxmlformats.org/officeDocument/2006/relationships" xmlns:p="http://schemas.openxmlformats.org/presentationml/2006/main">
+  <p:cSld>
+    <p:spTree>
+      <p:nvGrpSpPr>
+        <p:cNvPr id="1" name=""/>
+        <p:cNvGrpSpPr/>
+        <p:nvPr/>
+      </p:nvGrpSpPr>
+      <p:grpSpPr>
+        <a:xfrm>
+          <a:off x="0" y="0"/>
+          <a:ext cx="0" cy="0"/>
+          <a:chOff x="0" y="0"/>
+          <a:chExt cx="0" cy="0"/>
+        </a:xfrm>
+      </p:grpSpPr>
+      <p:sp>
+        <p:nvSpPr>
+          <p:cNvPr id="6" name="TextBox 5">
+            <a:extLst>
+              <a:ext uri="{FF2B5EF4-FFF2-40B4-BE49-F238E27FC236}">
+                <a16:creationId xmlns:a16="http://schemas.microsoft.com/office/drawing/2014/main" id="{E17B4C1D-388C-C144-A270-ADD17C7F609A}"/>
+              </a:ext>
+            </a:extLst>
+          </p:cNvPr>
+          <p:cNvSpPr txBox="1"/>
+          <p:nvPr/>
+        </p:nvSpPr>
+        <p:spPr>
+          <a:xfrm>
+            <a:off x="627580" y="575695"/>
+            <a:ext cx="5686813" cy="5632311"/>
+          </a:xfrm>
+          <a:prstGeom prst="rect">
+            <a:avLst/>
+          </a:prstGeom>
+          <a:noFill/>
+        </p:spPr>
+        <p:txBody>
+          <a:bodyPr wrap="none" rtlCol="0">
+            <a:spAutoFit/>
+          </a:bodyPr>
+          <a:lstStyle/>
+          <a:p>
+            <a:pPr marL="571500" indent="-571500">
+              <a:buFont typeface="Wingdings" pitchFamily="2" charset="2"/>
+              <a:buChar char="q"/>
+            </a:pPr>
+            <a:r>
+              <a:rPr lang="en-US" sz="2400" dirty="0"/>
+              <a:t>(2) LED Panels</a:t>
+            </a:r>
+          </a:p>
+          <a:p>
+            <a:pPr marL="571500" indent="-571500">
+              <a:buFont typeface="Wingdings" pitchFamily="2" charset="2"/>
+              <a:buChar char="q"/>
+            </a:pPr>
+            <a:r>
+              <a:rPr lang="en-US" sz="2400" dirty="0"/>
+              <a:t>PIXELCADE Kit with Shunt On</a:t>
+            </a:r>
+          </a:p>
+          <a:p>
+            <a:pPr marL="1028700" lvl="1" indent="-571500">
+              <a:buFont typeface="Wingdings" pitchFamily="2" charset="2"/>
+              <a:buChar char="q"/>
+            </a:pPr>
+            <a:r>
+              <a:rPr lang="en-US" sz="2400" dirty="0"/>
+              <a:t>Toggle Switch to USB</a:t>
+            </a:r>
+          </a:p>
+          <a:p>
+            <a:pPr marL="1028700" lvl="1" indent="-571500">
+              <a:buFont typeface="Wingdings" pitchFamily="2" charset="2"/>
+              <a:buChar char="q"/>
+            </a:pPr>
+            <a:r>
+              <a:rPr lang="en-US" sz="2400" dirty="0"/>
+              <a:t>Remove Power Cable, Power Switch</a:t>
+            </a:r>
+          </a:p>
+          <a:p>
+            <a:pPr marL="571500" indent="-571500">
+              <a:buFont typeface="Wingdings" pitchFamily="2" charset="2"/>
+              <a:buChar char="q"/>
+            </a:pPr>
+            <a:r>
+              <a:rPr lang="en-US" sz="2400" dirty="0"/>
+              <a:t>Custom Power Cable</a:t>
+            </a:r>
+          </a:p>
+          <a:p>
+            <a:pPr marL="571500" indent="-571500">
+              <a:buFont typeface="Wingdings" pitchFamily="2" charset="2"/>
+              <a:buChar char="q"/>
+            </a:pPr>
+            <a:r>
+              <a:rPr lang="en-US" sz="2400" dirty="0"/>
+              <a:t>4 M3 x 14 Nylon Screws</a:t>
+            </a:r>
+          </a:p>
+          <a:p>
+            <a:pPr marL="571500" indent="-571500">
+              <a:buFont typeface="Wingdings" pitchFamily="2" charset="2"/>
+              <a:buChar char="q"/>
+            </a:pPr>
+            <a:r>
+              <a:rPr lang="en-US" sz="2400" dirty="0"/>
+              <a:t>(8) Nylon M3 nuts</a:t>
+            </a:r>
+          </a:p>
+          <a:p>
+            <a:pPr marL="571500" indent="-571500">
+              <a:buFont typeface="Wingdings" pitchFamily="2" charset="2"/>
+              <a:buChar char="q"/>
+            </a:pPr>
+            <a:r>
+              <a:rPr lang="en-US" sz="2400" dirty="0"/>
+              <a:t>(16 + 2) M3 x 8 Screws</a:t>
+            </a:r>
+          </a:p>
+          <a:p>
+            <a:pPr marL="571500" indent="-571500">
+              <a:buFont typeface="Wingdings" pitchFamily="2" charset="2"/>
+              <a:buChar char="q"/>
+            </a:pPr>
+            <a:r>
+              <a:rPr lang="en-US" sz="2400" dirty="0"/>
+              <a:t>2 Zip Ties </a:t>
+            </a:r>
+          </a:p>
+          <a:p>
+            <a:pPr marL="571500" indent="-571500">
+              <a:buFont typeface="Wingdings" pitchFamily="2" charset="2"/>
+              <a:buChar char="q"/>
+            </a:pPr>
+            <a:r>
+              <a:rPr lang="en-US" sz="2400" dirty="0"/>
+              <a:t>(4) Hex M3 x 14 Stands</a:t>
+            </a:r>
+          </a:p>
+          <a:p>
+            <a:pPr marL="571500" indent="-571500">
+              <a:buFont typeface="Wingdings" pitchFamily="2" charset="2"/>
+              <a:buChar char="q"/>
+            </a:pPr>
+            <a:r>
+              <a:rPr lang="en-US" sz="2400" dirty="0"/>
+              <a:t>(2) Short IDC Cables</a:t>
+            </a:r>
+          </a:p>
+          <a:p>
+            <a:pPr marL="571500" indent="-571500">
+              <a:buFont typeface="Wingdings" pitchFamily="2" charset="2"/>
+              <a:buChar char="q"/>
+            </a:pPr>
+            <a:endParaRPr lang="en-US" sz="2400" dirty="0"/>
+          </a:p>
+          <a:p>
+            <a:r>
+              <a:rPr lang="en-US" sz="2400" u="sng" dirty="0"/>
+              <a:t>Assembled Shipping: 8 </a:t>
+            </a:r>
+            <a:r>
+              <a:rPr lang="en-US" sz="2400" u="sng" dirty="0" err="1"/>
+              <a:t>lbs</a:t>
+            </a:r>
+            <a:r>
+              <a:rPr lang="en-US" sz="2400" u="sng" dirty="0"/>
+              <a:t>, 36 x 10 x 6</a:t>
+            </a:r>
+          </a:p>
+          <a:p>
+            <a:pPr marL="571500" indent="-571500">
+              <a:buFont typeface="Wingdings" pitchFamily="2" charset="2"/>
+              <a:buChar char="q"/>
+            </a:pPr>
+            <a:endParaRPr lang="en-US" sz="2400" dirty="0"/>
+          </a:p>
+          <a:p>
+            <a:pPr marL="571500" indent="-571500">
+              <a:buFont typeface="Wingdings" pitchFamily="2" charset="2"/>
+              <a:buChar char="q"/>
+            </a:pPr>
+            <a:endParaRPr lang="en-US" sz="2400" dirty="0"/>
+          </a:p>
+        </p:txBody>
+      </p:sp>
+      <p:sp>
+        <p:nvSpPr>
+          <p:cNvPr id="7" name="TextBox 6">
+            <a:extLst>
+              <a:ext uri="{FF2B5EF4-FFF2-40B4-BE49-F238E27FC236}">
+                <a16:creationId xmlns:a16="http://schemas.microsoft.com/office/drawing/2014/main" id="{43FCA862-8FD7-9144-9572-6B96A5BDDE53}"/>
+              </a:ext>
+            </a:extLst>
+          </p:cNvPr>
+          <p:cNvSpPr txBox="1"/>
+          <p:nvPr/>
+        </p:nvSpPr>
+        <p:spPr>
+          <a:xfrm>
+            <a:off x="627580" y="-57875"/>
+            <a:ext cx="6713248" cy="584775"/>
+          </a:xfrm>
+          <a:prstGeom prst="rect">
+            <a:avLst/>
+          </a:prstGeom>
+          <a:noFill/>
+        </p:spPr>
+        <p:txBody>
+          <a:bodyPr wrap="none" rtlCol="0">
+            <a:spAutoFit/>
+          </a:bodyPr>
+          <a:lstStyle/>
+          <a:p>
+            <a:r>
+              <a:rPr lang="en-US" sz="3200" u="sng" dirty="0"/>
+              <a:t>SUPER PIXEL Arcade Marquee Checklist</a:t>
+            </a:r>
+          </a:p>
+        </p:txBody>
+      </p:sp>
+      <p:sp>
+        <p:nvSpPr>
+          <p:cNvPr id="5" name="TextBox 4">
+            <a:extLst>
+              <a:ext uri="{FF2B5EF4-FFF2-40B4-BE49-F238E27FC236}">
+                <a16:creationId xmlns:a16="http://schemas.microsoft.com/office/drawing/2014/main" id="{3131F6C7-05A2-E743-94AD-18D8251686E9}"/>
+              </a:ext>
+            </a:extLst>
+          </p:cNvPr>
+          <p:cNvSpPr txBox="1"/>
+          <p:nvPr/>
+        </p:nvSpPr>
+        <p:spPr>
+          <a:xfrm>
+            <a:off x="6314393" y="699666"/>
+            <a:ext cx="5663473" cy="3970318"/>
+          </a:xfrm>
+          <a:prstGeom prst="rect">
+            <a:avLst/>
+          </a:prstGeom>
+          <a:noFill/>
+        </p:spPr>
+        <p:txBody>
+          <a:bodyPr wrap="none" rtlCol="0">
+            <a:spAutoFit/>
+          </a:bodyPr>
+          <a:lstStyle/>
+          <a:p>
+            <a:pPr marL="571500" indent="-571500">
+              <a:buFont typeface="Wingdings" pitchFamily="2" charset="2"/>
+              <a:buChar char="q"/>
+            </a:pPr>
+            <a:r>
+              <a:rPr lang="en-US" sz="2800" dirty="0" err="1"/>
+              <a:t>Pixelcade</a:t>
+            </a:r>
+            <a:r>
+              <a:rPr lang="en-US" sz="2800" dirty="0"/>
+              <a:t> Instruction Sheet</a:t>
+            </a:r>
+          </a:p>
+          <a:p>
+            <a:pPr marL="571500" indent="-571500">
+              <a:buFont typeface="Wingdings" pitchFamily="2" charset="2"/>
+              <a:buChar char="q"/>
+            </a:pPr>
+            <a:r>
+              <a:rPr lang="en-US" sz="2800" dirty="0"/>
+              <a:t>(1) Front Panel </a:t>
+            </a:r>
+          </a:p>
+          <a:p>
+            <a:pPr marL="571500" indent="-571500">
+              <a:buFont typeface="Wingdings" pitchFamily="2" charset="2"/>
+              <a:buChar char="q"/>
+            </a:pPr>
+            <a:r>
+              <a:rPr lang="en-US" sz="2800" dirty="0"/>
+              <a:t>(4) M3 x 6 Thumb Screws</a:t>
+            </a:r>
+          </a:p>
+          <a:p>
+            <a:pPr marL="571500" indent="-571500">
+              <a:buFont typeface="Wingdings" pitchFamily="2" charset="2"/>
+              <a:buChar char="q"/>
+            </a:pPr>
+            <a:r>
+              <a:rPr lang="en-US" sz="2800" dirty="0"/>
+              <a:t>5V, 10A Power Brick </a:t>
+            </a:r>
+            <a:r>
+              <a:rPr lang="en-US" sz="2000" dirty="0"/>
+              <a:t>(Check Tight Cord)</a:t>
+            </a:r>
+          </a:p>
+          <a:p>
+            <a:pPr marL="571500" indent="-571500">
+              <a:buFont typeface="Wingdings" pitchFamily="2" charset="2"/>
+              <a:buChar char="q"/>
+            </a:pPr>
+            <a:r>
+              <a:rPr lang="en-US" sz="2800" dirty="0"/>
+              <a:t>6 ft USB A-A Cable</a:t>
+            </a:r>
+          </a:p>
+          <a:p>
+            <a:pPr marL="571500" indent="-571500">
+              <a:buFont typeface="Wingdings" pitchFamily="2" charset="2"/>
+              <a:buChar char="q"/>
+            </a:pPr>
+            <a:r>
+              <a:rPr lang="en-US" sz="2800" dirty="0"/>
+              <a:t>10 ft USB A-A Cable</a:t>
+            </a:r>
+          </a:p>
+          <a:p>
+            <a:pPr marL="571500" indent="-571500">
+              <a:buFont typeface="Wingdings" pitchFamily="2" charset="2"/>
+              <a:buChar char="q"/>
+            </a:pPr>
+            <a:r>
+              <a:rPr lang="en-US" sz="2800" dirty="0"/>
+              <a:t>3 D-Hooks</a:t>
+            </a:r>
+          </a:p>
+          <a:p>
+            <a:pPr marL="571500" indent="-571500">
+              <a:buFont typeface="Wingdings" pitchFamily="2" charset="2"/>
+              <a:buChar char="q"/>
+            </a:pPr>
+            <a:r>
+              <a:rPr lang="en-US" sz="2800" dirty="0"/>
+              <a:t>Bluetooth Dongle</a:t>
+            </a:r>
+          </a:p>
+          <a:p>
+            <a:endParaRPr lang="en-US" sz="2800" dirty="0"/>
+          </a:p>
+        </p:txBody>
+      </p:sp>
+    </p:spTree>
+    <p:extLst>
+      <p:ext uri="{BB962C8B-B14F-4D97-AF65-F5344CB8AC3E}">
+        <p14:creationId xmlns:p14="http://schemas.microsoft.com/office/powerpoint/2010/main" val="1438768639"/>
+      </p:ext>
+    </p:extLst>
+  </p:cSld>
+  <p:clrMapOvr>
+    <a:masterClrMapping/>
+  </p:clrMapOvr>
+</p:sld>
+</file>
+
+<file path=ppt/slides/slide6.xml><?xml version="1.0" encoding="utf-8"?>
+<p:sld xmlns:a="http://schemas.openxmlformats.org/drawingml/2006/main" xmlns:r="http://schemas.openxmlformats.org/officeDocument/2006/relationships" xmlns:p="http://schemas.openxmlformats.org/presentationml/2006/main">
+  <p:cSld>
+    <p:spTree>
+      <p:nvGrpSpPr>
+        <p:cNvPr id="1" name=""/>
+        <p:cNvGrpSpPr/>
+        <p:nvPr/>
+      </p:nvGrpSpPr>
+      <p:grpSpPr>
+        <a:xfrm>
+          <a:off x="0" y="0"/>
+          <a:ext cx="0" cy="0"/>
+          <a:chOff x="0" y="0"/>
+          <a:chExt cx="0" cy="0"/>
+        </a:xfrm>
+      </p:grpSpPr>
+      <p:sp>
+        <p:nvSpPr>
+          <p:cNvPr id="6" name="TextBox 5">
+            <a:extLst>
+              <a:ext uri="{FF2B5EF4-FFF2-40B4-BE49-F238E27FC236}">
+                <a16:creationId xmlns:a16="http://schemas.microsoft.com/office/drawing/2014/main" id="{E17B4C1D-388C-C144-A270-ADD17C7F609A}"/>
+              </a:ext>
+            </a:extLst>
+          </p:cNvPr>
+          <p:cNvSpPr txBox="1"/>
+          <p:nvPr/>
+        </p:nvSpPr>
+        <p:spPr>
+          <a:xfrm>
+            <a:off x="627580" y="575695"/>
+            <a:ext cx="5686813" cy="4893647"/>
+          </a:xfrm>
+          <a:prstGeom prst="rect">
+            <a:avLst/>
+          </a:prstGeom>
+          <a:noFill/>
+        </p:spPr>
+        <p:txBody>
+          <a:bodyPr wrap="none" rtlCol="0">
+            <a:spAutoFit/>
+          </a:bodyPr>
+          <a:lstStyle/>
+          <a:p>
+            <a:pPr marL="571500" indent="-571500">
+              <a:buFont typeface="Wingdings" pitchFamily="2" charset="2"/>
+              <a:buChar char="q"/>
+            </a:pPr>
+            <a:r>
+              <a:rPr lang="en-US" sz="2400" dirty="0"/>
+              <a:t>(2) LED Panels P5</a:t>
+            </a:r>
+          </a:p>
+          <a:p>
+            <a:pPr marL="571500" indent="-571500">
+              <a:buFont typeface="Wingdings" pitchFamily="2" charset="2"/>
+              <a:buChar char="q"/>
+            </a:pPr>
+            <a:r>
+              <a:rPr lang="en-US" sz="2400" dirty="0"/>
+              <a:t>PIXELCADE Kit with Shunt On</a:t>
+            </a:r>
+          </a:p>
+          <a:p>
+            <a:pPr marL="1028700" lvl="1" indent="-571500">
+              <a:buFont typeface="Wingdings" pitchFamily="2" charset="2"/>
+              <a:buChar char="q"/>
+            </a:pPr>
+            <a:r>
+              <a:rPr lang="en-US" sz="2400" dirty="0"/>
+              <a:t>Toggle Switch to USB</a:t>
+            </a:r>
+          </a:p>
+          <a:p>
+            <a:pPr marL="1028700" lvl="1" indent="-571500">
+              <a:buFont typeface="Wingdings" pitchFamily="2" charset="2"/>
+              <a:buChar char="q"/>
+            </a:pPr>
+            <a:r>
+              <a:rPr lang="en-US" sz="2400" dirty="0"/>
+              <a:t>Remove Power Cable, Power Switch</a:t>
+            </a:r>
+          </a:p>
+          <a:p>
+            <a:pPr marL="571500" indent="-571500">
+              <a:buFont typeface="Wingdings" pitchFamily="2" charset="2"/>
+              <a:buChar char="q"/>
+            </a:pPr>
+            <a:r>
+              <a:rPr lang="en-US" sz="2400" dirty="0"/>
+              <a:t>Custom Power Cable</a:t>
+            </a:r>
+          </a:p>
+          <a:p>
+            <a:pPr marL="571500" indent="-571500">
+              <a:buFont typeface="Wingdings" pitchFamily="2" charset="2"/>
+              <a:buChar char="q"/>
+            </a:pPr>
+            <a:r>
+              <a:rPr lang="en-US" sz="2400" dirty="0"/>
+              <a:t>4 M3 x 14 Nylon Screws</a:t>
+            </a:r>
+          </a:p>
+          <a:p>
+            <a:pPr marL="571500" indent="-571500">
+              <a:buFont typeface="Wingdings" pitchFamily="2" charset="2"/>
+              <a:buChar char="q"/>
+            </a:pPr>
+            <a:r>
+              <a:rPr lang="en-US" sz="2400" dirty="0"/>
+              <a:t>(8) Nylon M3 nuts</a:t>
+            </a:r>
+          </a:p>
+          <a:p>
+            <a:pPr marL="571500" indent="-571500">
+              <a:buFont typeface="Wingdings" pitchFamily="2" charset="2"/>
+              <a:buChar char="q"/>
+            </a:pPr>
+            <a:r>
+              <a:rPr lang="en-US" sz="2400" dirty="0"/>
+              <a:t>(16+2) M3 x 8 Screws</a:t>
+            </a:r>
+          </a:p>
+          <a:p>
+            <a:pPr marL="571500" indent="-571500">
+              <a:buFont typeface="Wingdings" pitchFamily="2" charset="2"/>
+              <a:buChar char="q"/>
+            </a:pPr>
+            <a:r>
+              <a:rPr lang="en-US" sz="2400" dirty="0"/>
+              <a:t>3 Zip Ties </a:t>
+            </a:r>
+          </a:p>
+          <a:p>
+            <a:pPr marL="571500" indent="-571500">
+              <a:buFont typeface="Wingdings" pitchFamily="2" charset="2"/>
+              <a:buChar char="q"/>
+            </a:pPr>
+            <a:r>
+              <a:rPr lang="en-US" sz="2400" dirty="0"/>
+              <a:t>(4) Hex M3 x 16 Stands</a:t>
+            </a:r>
+          </a:p>
+          <a:p>
+            <a:pPr marL="571500" indent="-571500">
+              <a:buFont typeface="Wingdings" pitchFamily="2" charset="2"/>
+              <a:buChar char="q"/>
+            </a:pPr>
+            <a:r>
+              <a:rPr lang="en-US" sz="2400" dirty="0"/>
+              <a:t>(2) Short IDC Cables</a:t>
+            </a:r>
+          </a:p>
+          <a:p>
+            <a:pPr marL="571500" indent="-571500">
+              <a:buFont typeface="Wingdings" pitchFamily="2" charset="2"/>
+              <a:buChar char="q"/>
+            </a:pPr>
+            <a:endParaRPr lang="en-US" sz="2400" dirty="0"/>
+          </a:p>
+          <a:p>
+            <a:pPr marL="571500" indent="-571500">
+              <a:buFont typeface="Wingdings" pitchFamily="2" charset="2"/>
+              <a:buChar char="q"/>
+            </a:pPr>
+            <a:endParaRPr lang="en-US" sz="2400" dirty="0"/>
+          </a:p>
+        </p:txBody>
+      </p:sp>
+      <p:sp>
+        <p:nvSpPr>
+          <p:cNvPr id="7" name="TextBox 6">
+            <a:extLst>
+              <a:ext uri="{FF2B5EF4-FFF2-40B4-BE49-F238E27FC236}">
+                <a16:creationId xmlns:a16="http://schemas.microsoft.com/office/drawing/2014/main" id="{43FCA862-8FD7-9144-9572-6B96A5BDDE53}"/>
+              </a:ext>
+            </a:extLst>
+          </p:cNvPr>
+          <p:cNvSpPr txBox="1"/>
+          <p:nvPr/>
+        </p:nvSpPr>
+        <p:spPr>
+          <a:xfrm>
+            <a:off x="627580" y="-57875"/>
+            <a:ext cx="6283067" cy="584775"/>
+          </a:xfrm>
+          <a:prstGeom prst="rect">
+            <a:avLst/>
+          </a:prstGeom>
+          <a:noFill/>
+        </p:spPr>
+        <p:txBody>
+          <a:bodyPr wrap="none" rtlCol="0">
+            <a:spAutoFit/>
+          </a:bodyPr>
+          <a:lstStyle/>
+          <a:p>
+            <a:r>
+              <a:rPr lang="en-US" sz="3200" u="sng" dirty="0"/>
+              <a:t>Legends Ultimate Marquee Checklist</a:t>
+            </a:r>
+          </a:p>
+        </p:txBody>
+      </p:sp>
+      <p:sp>
+        <p:nvSpPr>
+          <p:cNvPr id="5" name="TextBox 4">
+            <a:extLst>
+              <a:ext uri="{FF2B5EF4-FFF2-40B4-BE49-F238E27FC236}">
+                <a16:creationId xmlns:a16="http://schemas.microsoft.com/office/drawing/2014/main" id="{3131F6C7-05A2-E743-94AD-18D8251686E9}"/>
+              </a:ext>
+            </a:extLst>
+          </p:cNvPr>
+          <p:cNvSpPr txBox="1"/>
+          <p:nvPr/>
+        </p:nvSpPr>
+        <p:spPr>
+          <a:xfrm>
+            <a:off x="6314393" y="699666"/>
+            <a:ext cx="5663473" cy="4401205"/>
+          </a:xfrm>
+          <a:prstGeom prst="rect">
+            <a:avLst/>
+          </a:prstGeom>
+          <a:noFill/>
+        </p:spPr>
+        <p:txBody>
+          <a:bodyPr wrap="none" rtlCol="0">
+            <a:spAutoFit/>
+          </a:bodyPr>
+          <a:lstStyle/>
+          <a:p>
+            <a:pPr marL="571500" indent="-571500">
+              <a:buFont typeface="Wingdings" pitchFamily="2" charset="2"/>
+              <a:buChar char="q"/>
+            </a:pPr>
+            <a:r>
+              <a:rPr lang="en-US" sz="2800" dirty="0" err="1"/>
+              <a:t>Pixelcade</a:t>
+            </a:r>
+            <a:r>
+              <a:rPr lang="en-US" sz="2800" dirty="0"/>
+              <a:t> Instruction Sheet</a:t>
+            </a:r>
+          </a:p>
+          <a:p>
+            <a:pPr marL="571500" indent="-571500">
+              <a:buFont typeface="Wingdings" pitchFamily="2" charset="2"/>
+              <a:buChar char="q"/>
+            </a:pPr>
+            <a:r>
+              <a:rPr lang="en-US" sz="2800" dirty="0"/>
+              <a:t>(1) Front Panel </a:t>
+            </a:r>
+          </a:p>
+          <a:p>
+            <a:pPr marL="571500" indent="-571500">
+              <a:buFont typeface="Wingdings" pitchFamily="2" charset="2"/>
+              <a:buChar char="q"/>
+            </a:pPr>
+            <a:r>
+              <a:rPr lang="en-US" sz="2800" dirty="0"/>
+              <a:t>(4) M3 x 6 Thumb Screws</a:t>
+            </a:r>
+          </a:p>
+          <a:p>
+            <a:pPr marL="571500" indent="-571500">
+              <a:buFont typeface="Wingdings" pitchFamily="2" charset="2"/>
+              <a:buChar char="q"/>
+            </a:pPr>
+            <a:r>
+              <a:rPr lang="en-US" sz="2800" dirty="0"/>
+              <a:t>5V, 10A Power Brick </a:t>
+            </a:r>
+            <a:r>
+              <a:rPr lang="en-US" sz="2000" dirty="0"/>
+              <a:t>(Check Tight Cord)</a:t>
+            </a:r>
+          </a:p>
+          <a:p>
+            <a:pPr marL="571500" indent="-571500">
+              <a:buFont typeface="Wingdings" pitchFamily="2" charset="2"/>
+              <a:buChar char="q"/>
+            </a:pPr>
+            <a:r>
+              <a:rPr lang="en-US" sz="2800" dirty="0"/>
+              <a:t>6 ft USB A-A Cable</a:t>
+            </a:r>
+          </a:p>
+          <a:p>
+            <a:pPr marL="571500" indent="-571500">
+              <a:buFont typeface="Wingdings" pitchFamily="2" charset="2"/>
+              <a:buChar char="q"/>
+            </a:pPr>
+            <a:r>
+              <a:rPr lang="en-US" sz="2800" dirty="0"/>
+              <a:t>10 ft USB A-A Cable</a:t>
+            </a:r>
+          </a:p>
+          <a:p>
+            <a:pPr marL="571500" indent="-571500">
+              <a:buFont typeface="Wingdings" pitchFamily="2" charset="2"/>
+              <a:buChar char="q"/>
+            </a:pPr>
+            <a:r>
+              <a:rPr lang="en-US" sz="2800" dirty="0"/>
+              <a:t>Bluetooth Dongle</a:t>
+            </a:r>
+          </a:p>
+          <a:p>
+            <a:pPr marL="571500" indent="-571500">
+              <a:buFont typeface="Wingdings" pitchFamily="2" charset="2"/>
+              <a:buChar char="q"/>
+            </a:pPr>
+            <a:r>
+              <a:rPr lang="en-US" sz="2800" dirty="0"/>
+              <a:t>SD Card Adapter</a:t>
+            </a:r>
+          </a:p>
+          <a:p>
+            <a:pPr marL="571500" indent="-571500">
+              <a:buFont typeface="Wingdings" pitchFamily="2" charset="2"/>
+              <a:buChar char="q"/>
+            </a:pPr>
+            <a:r>
+              <a:rPr lang="en-US" sz="2800" dirty="0"/>
+              <a:t>4 Wood Screws</a:t>
+            </a:r>
+          </a:p>
+          <a:p>
+            <a:endParaRPr lang="en-US" sz="2800" dirty="0"/>
+          </a:p>
+        </p:txBody>
+      </p:sp>
+    </p:spTree>
+    <p:extLst>
+      <p:ext uri="{BB962C8B-B14F-4D97-AF65-F5344CB8AC3E}">
+        <p14:creationId xmlns:p14="http://schemas.microsoft.com/office/powerpoint/2010/main" val="1892258077"/>
+      </p:ext>
+    </p:extLst>
+  </p:cSld>
+  <p:clrMapOvr>
+    <a:masterClrMapping/>
+  </p:clrMapOvr>
+</p:sld>
+</file>
+
+<file path=ppt/slides/slide7.xml><?xml version="1.0" encoding="utf-8"?>
+<p:sld xmlns:a="http://schemas.openxmlformats.org/drawingml/2006/main" xmlns:r="http://schemas.openxmlformats.org/officeDocument/2006/relationships" xmlns:p="http://schemas.openxmlformats.org/presentationml/2006/main">
+  <p:cSld>
+    <p:spTree>
+      <p:nvGrpSpPr>
+        <p:cNvPr id="1" name=""/>
+        <p:cNvGrpSpPr/>
+        <p:nvPr/>
+      </p:nvGrpSpPr>
+      <p:grpSpPr>
+        <a:xfrm>
+          <a:off x="0" y="0"/>
+          <a:ext cx="0" cy="0"/>
+          <a:chOff x="0" y="0"/>
+          <a:chExt cx="0" cy="0"/>
+        </a:xfrm>
+      </p:grpSpPr>
+      <p:sp>
+        <p:nvSpPr>
+          <p:cNvPr id="6" name="TextBox 5">
+            <a:extLst>
+              <a:ext uri="{FF2B5EF4-FFF2-40B4-BE49-F238E27FC236}">
+                <a16:creationId xmlns:a16="http://schemas.microsoft.com/office/drawing/2014/main" id="{E17B4C1D-388C-C144-A270-ADD17C7F609A}"/>
+              </a:ext>
+            </a:extLst>
+          </p:cNvPr>
+          <p:cNvSpPr txBox="1"/>
+          <p:nvPr/>
+        </p:nvSpPr>
+        <p:spPr>
+          <a:xfrm>
+            <a:off x="627580" y="575695"/>
+            <a:ext cx="5686813" cy="4893647"/>
+          </a:xfrm>
+          <a:prstGeom prst="rect">
+            <a:avLst/>
+          </a:prstGeom>
+          <a:noFill/>
+        </p:spPr>
+        <p:txBody>
+          <a:bodyPr wrap="none" rtlCol="0">
+            <a:spAutoFit/>
+          </a:bodyPr>
+          <a:lstStyle/>
+          <a:p>
+            <a:pPr marL="571500" indent="-571500">
+              <a:buFont typeface="Wingdings" pitchFamily="2" charset="2"/>
+              <a:buChar char="q"/>
+            </a:pPr>
+            <a:r>
+              <a:rPr lang="en-US" sz="2400" dirty="0"/>
+              <a:t>(2) LED Panels P2.5</a:t>
+            </a:r>
+          </a:p>
+          <a:p>
+            <a:pPr marL="571500" indent="-571500">
+              <a:buFont typeface="Wingdings" pitchFamily="2" charset="2"/>
+              <a:buChar char="q"/>
+            </a:pPr>
+            <a:r>
+              <a:rPr lang="en-US" sz="2400" dirty="0"/>
+              <a:t>PIXELCADE Kit with Shunt On</a:t>
+            </a:r>
+          </a:p>
+          <a:p>
+            <a:pPr marL="1028700" lvl="1" indent="-571500">
+              <a:buFont typeface="Wingdings" pitchFamily="2" charset="2"/>
+              <a:buChar char="q"/>
+            </a:pPr>
+            <a:r>
+              <a:rPr lang="en-US" sz="2400" dirty="0"/>
+              <a:t>Toggle Switch to USB</a:t>
+            </a:r>
+          </a:p>
+          <a:p>
+            <a:pPr marL="1028700" lvl="1" indent="-571500">
+              <a:buFont typeface="Wingdings" pitchFamily="2" charset="2"/>
+              <a:buChar char="q"/>
+            </a:pPr>
+            <a:r>
+              <a:rPr lang="en-US" sz="2400" dirty="0"/>
+              <a:t>Remove Power Cable, Power Switch</a:t>
+            </a:r>
+          </a:p>
+          <a:p>
+            <a:pPr marL="571500" indent="-571500">
+              <a:buFont typeface="Wingdings" pitchFamily="2" charset="2"/>
+              <a:buChar char="q"/>
+            </a:pPr>
+            <a:r>
+              <a:rPr lang="en-US" sz="2400" dirty="0"/>
+              <a:t>Custom Power Cable</a:t>
+            </a:r>
+          </a:p>
+          <a:p>
+            <a:pPr marL="571500" indent="-571500">
+              <a:buFont typeface="Wingdings" pitchFamily="2" charset="2"/>
+              <a:buChar char="q"/>
+            </a:pPr>
+            <a:r>
+              <a:rPr lang="en-US" sz="2400" dirty="0" err="1"/>
+              <a:t>Pixelcade</a:t>
+            </a:r>
+            <a:r>
+              <a:rPr lang="en-US" sz="2400" dirty="0"/>
+              <a:t> </a:t>
+            </a:r>
+            <a:r>
+              <a:rPr lang="en-US" sz="2400" dirty="0" err="1"/>
+              <a:t>PinDMD</a:t>
+            </a:r>
+            <a:r>
+              <a:rPr lang="en-US" sz="2400" dirty="0"/>
+              <a:t> Back Mount</a:t>
+            </a:r>
+          </a:p>
+          <a:p>
+            <a:pPr marL="571500" indent="-571500">
+              <a:buFont typeface="Wingdings" pitchFamily="2" charset="2"/>
+              <a:buChar char="q"/>
+            </a:pPr>
+            <a:r>
+              <a:rPr lang="en-US" sz="2400" dirty="0"/>
+              <a:t>Pixel Board Mount</a:t>
+            </a:r>
+          </a:p>
+          <a:p>
+            <a:pPr marL="571500" indent="-571500">
+              <a:buFont typeface="Wingdings" pitchFamily="2" charset="2"/>
+              <a:buChar char="q"/>
+            </a:pPr>
+            <a:r>
+              <a:rPr lang="en-US" sz="2400" dirty="0"/>
+              <a:t>(8) M3 x 14 Nylon Screws</a:t>
+            </a:r>
+          </a:p>
+          <a:p>
+            <a:pPr marL="571500" indent="-571500">
+              <a:buFont typeface="Wingdings" pitchFamily="2" charset="2"/>
+              <a:buChar char="q"/>
+            </a:pPr>
+            <a:r>
+              <a:rPr lang="en-US" sz="2400" dirty="0"/>
+              <a:t>(16) Nylon M3 nuts</a:t>
+            </a:r>
+          </a:p>
+          <a:p>
+            <a:pPr marL="571500" indent="-571500">
+              <a:buFont typeface="Wingdings" pitchFamily="2" charset="2"/>
+              <a:buChar char="q"/>
+            </a:pPr>
+            <a:r>
+              <a:rPr lang="en-US" sz="2400" dirty="0"/>
+              <a:t>2 Zip Ties </a:t>
+            </a:r>
+          </a:p>
+          <a:p>
+            <a:pPr marL="571500" indent="-571500">
+              <a:buFont typeface="Wingdings" pitchFamily="2" charset="2"/>
+              <a:buChar char="q"/>
+            </a:pPr>
+            <a:r>
+              <a:rPr lang="en-US" sz="2400" dirty="0"/>
+              <a:t>(2) Short IDC Cables</a:t>
+            </a:r>
+          </a:p>
+          <a:p>
+            <a:pPr marL="571500" indent="-571500">
+              <a:buFont typeface="Wingdings" pitchFamily="2" charset="2"/>
+              <a:buChar char="q"/>
+            </a:pPr>
+            <a:endParaRPr lang="en-US" sz="2400" dirty="0"/>
+          </a:p>
+          <a:p>
+            <a:pPr marL="571500" indent="-571500">
+              <a:buFont typeface="Wingdings" pitchFamily="2" charset="2"/>
+              <a:buChar char="q"/>
+            </a:pPr>
+            <a:endParaRPr lang="en-US" sz="2400" dirty="0"/>
+          </a:p>
+        </p:txBody>
+      </p:sp>
+      <p:sp>
+        <p:nvSpPr>
+          <p:cNvPr id="7" name="TextBox 6">
+            <a:extLst>
+              <a:ext uri="{FF2B5EF4-FFF2-40B4-BE49-F238E27FC236}">
+                <a16:creationId xmlns:a16="http://schemas.microsoft.com/office/drawing/2014/main" id="{43FCA862-8FD7-9144-9572-6B96A5BDDE53}"/>
+              </a:ext>
+            </a:extLst>
+          </p:cNvPr>
+          <p:cNvSpPr txBox="1"/>
+          <p:nvPr/>
+        </p:nvSpPr>
+        <p:spPr>
+          <a:xfrm>
+            <a:off x="627580" y="-57875"/>
+            <a:ext cx="4790479" cy="584775"/>
+          </a:xfrm>
+          <a:prstGeom prst="rect">
+            <a:avLst/>
+          </a:prstGeom>
+          <a:noFill/>
+        </p:spPr>
+        <p:txBody>
+          <a:bodyPr wrap="none" rtlCol="0">
+            <a:spAutoFit/>
+          </a:bodyPr>
+          <a:lstStyle/>
+          <a:p>
+            <a:r>
+              <a:rPr lang="en-US" sz="3200" u="sng" dirty="0" err="1"/>
+              <a:t>Pixelcade</a:t>
+            </a:r>
+            <a:r>
+              <a:rPr lang="en-US" sz="3200" u="sng" dirty="0"/>
+              <a:t> </a:t>
+            </a:r>
+            <a:r>
+              <a:rPr lang="en-US" sz="3200" u="sng" dirty="0" err="1"/>
+              <a:t>PinDMD</a:t>
+            </a:r>
+            <a:r>
+              <a:rPr lang="en-US" sz="3200" u="sng" dirty="0"/>
+              <a:t> Checklist</a:t>
+            </a:r>
+          </a:p>
+        </p:txBody>
+      </p:sp>
+      <p:sp>
+        <p:nvSpPr>
+          <p:cNvPr id="5" name="TextBox 4">
+            <a:extLst>
+              <a:ext uri="{FF2B5EF4-FFF2-40B4-BE49-F238E27FC236}">
+                <a16:creationId xmlns:a16="http://schemas.microsoft.com/office/drawing/2014/main" id="{3131F6C7-05A2-E743-94AD-18D8251686E9}"/>
+              </a:ext>
+            </a:extLst>
+          </p:cNvPr>
+          <p:cNvSpPr txBox="1"/>
+          <p:nvPr/>
+        </p:nvSpPr>
+        <p:spPr>
+          <a:xfrm>
+            <a:off x="6314393" y="699666"/>
+            <a:ext cx="5663473" cy="3108543"/>
+          </a:xfrm>
+          <a:prstGeom prst="rect">
+            <a:avLst/>
+          </a:prstGeom>
+          <a:noFill/>
+        </p:spPr>
+        <p:txBody>
+          <a:bodyPr wrap="none" rtlCol="0">
+            <a:spAutoFit/>
+          </a:bodyPr>
+          <a:lstStyle/>
+          <a:p>
+            <a:pPr marL="571500" indent="-571500">
+              <a:buFont typeface="Wingdings" pitchFamily="2" charset="2"/>
+              <a:buChar char="q"/>
+            </a:pPr>
+            <a:r>
+              <a:rPr lang="en-US" sz="2800" dirty="0" err="1"/>
+              <a:t>Pixelcade</a:t>
+            </a:r>
+            <a:r>
+              <a:rPr lang="en-US" sz="2800" dirty="0"/>
+              <a:t> Instruction Sheet</a:t>
+            </a:r>
+          </a:p>
+          <a:p>
+            <a:pPr marL="571500" indent="-571500">
+              <a:buFont typeface="Wingdings" pitchFamily="2" charset="2"/>
+              <a:buChar char="q"/>
+            </a:pPr>
+            <a:r>
+              <a:rPr lang="en-US" sz="2800" dirty="0"/>
+              <a:t>5V, 10A Power Brick </a:t>
+            </a:r>
+            <a:r>
+              <a:rPr lang="en-US" sz="2000" dirty="0"/>
+              <a:t>(Check Tight Cord)</a:t>
+            </a:r>
+          </a:p>
+          <a:p>
+            <a:pPr marL="571500" indent="-571500">
+              <a:buFont typeface="Wingdings" pitchFamily="2" charset="2"/>
+              <a:buChar char="q"/>
+            </a:pPr>
+            <a:r>
+              <a:rPr lang="en-US" sz="2800" dirty="0"/>
+              <a:t>6 ft USB A-A Cable</a:t>
+            </a:r>
+          </a:p>
+          <a:p>
+            <a:pPr marL="571500" indent="-571500">
+              <a:buFont typeface="Wingdings" pitchFamily="2" charset="2"/>
+              <a:buChar char="q"/>
+            </a:pPr>
+            <a:r>
+              <a:rPr lang="en-US" sz="2800" dirty="0"/>
+              <a:t>10 ft USB A-A Cable</a:t>
+            </a:r>
+          </a:p>
+          <a:p>
+            <a:pPr marL="571500" indent="-571500">
+              <a:buFont typeface="Wingdings" pitchFamily="2" charset="2"/>
+              <a:buChar char="q"/>
+            </a:pPr>
+            <a:r>
+              <a:rPr lang="en-US" sz="2800" dirty="0"/>
+              <a:t>SD Card Adapter</a:t>
+            </a:r>
+          </a:p>
+          <a:p>
+            <a:pPr marL="571500" indent="-571500">
+              <a:buFont typeface="Wingdings" pitchFamily="2" charset="2"/>
+              <a:buChar char="q"/>
+            </a:pPr>
+            <a:r>
+              <a:rPr lang="en-US" sz="2800" dirty="0"/>
+              <a:t>4 Wood Screws</a:t>
+            </a:r>
+          </a:p>
+          <a:p>
+            <a:endParaRPr lang="en-US" sz="2800" dirty="0"/>
+          </a:p>
+        </p:txBody>
+      </p:sp>
+    </p:spTree>
+    <p:extLst>
+      <p:ext uri="{BB962C8B-B14F-4D97-AF65-F5344CB8AC3E}">
+        <p14:creationId xmlns:p14="http://schemas.microsoft.com/office/powerpoint/2010/main" val="531108410"/>
       </p:ext>
     </p:extLst>
   </p:cSld>
